--- a/Part II/Workshop-II.pptx
+++ b/Part II/Workshop-II.pptx
@@ -5,7 +5,7 @@
     <p:sldMasterId id="2147483661" r:id="rId4"/>
   </p:sldMasterIdLst>
   <p:notesMasterIdLst>
-    <p:notesMasterId r:id="rId12"/>
+    <p:notesMasterId r:id="rId16"/>
   </p:notesMasterIdLst>
   <p:sldIdLst>
     <p:sldId id="256" r:id="rId5"/>
@@ -15,6 +15,10 @@
     <p:sldId id="268" r:id="rId9"/>
     <p:sldId id="269" r:id="rId10"/>
     <p:sldId id="271" r:id="rId11"/>
+    <p:sldId id="272" r:id="rId12"/>
+    <p:sldId id="273" r:id="rId13"/>
+    <p:sldId id="275" r:id="rId14"/>
+    <p:sldId id="274" r:id="rId15"/>
   </p:sldIdLst>
   <p:sldSz cx="18288000" cy="10288588"/>
   <p:notesSz cx="6858000" cy="9144000"/>
@@ -232,7 +236,7 @@
           <a:p>
             <a:fld id="{37E01EE1-980E-5041-99CA-AE19F2476FCE}" type="datetimeFigureOut">
               <a:rPr lang="ru-RU" smtClean="0"/>
-              <a:t>16.04.2023</a:t>
+              <a:t>18.04.2023</a:t>
             </a:fld>
             <a:endParaRPr lang="ru-RU"/>
           </a:p>
@@ -759,6 +763,342 @@
     <p:extLst>
       <p:ext uri="{BB962C8B-B14F-4D97-AF65-F5344CB8AC3E}">
         <p14:creationId xmlns:p14="http://schemas.microsoft.com/office/powerpoint/2010/main" val="1537963833"/>
+      </p:ext>
+    </p:extLst>
+  </p:cSld>
+  <p:clrMapOvr>
+    <a:masterClrMapping/>
+  </p:clrMapOvr>
+</p:notes>
+</file>
+
+<file path=ppt/notesSlides/notesSlide4.xml><?xml version="1.0" encoding="utf-8"?>
+<p:notes xmlns:a="http://schemas.openxmlformats.org/drawingml/2006/main" xmlns:r="http://schemas.openxmlformats.org/officeDocument/2006/relationships" xmlns:p="http://schemas.openxmlformats.org/presentationml/2006/main">
+  <p:cSld>
+    <p:spTree>
+      <p:nvGrpSpPr>
+        <p:cNvPr id="1" name=""/>
+        <p:cNvGrpSpPr/>
+        <p:nvPr/>
+      </p:nvGrpSpPr>
+      <p:grpSpPr>
+        <a:xfrm>
+          <a:off x="0" y="0"/>
+          <a:ext cx="0" cy="0"/>
+          <a:chOff x="0" y="0"/>
+          <a:chExt cx="0" cy="0"/>
+        </a:xfrm>
+      </p:grpSpPr>
+      <p:sp>
+        <p:nvSpPr>
+          <p:cNvPr id="2" name="Slide Image Placeholder 1"/>
+          <p:cNvSpPr>
+            <a:spLocks noGrp="1" noRot="1" noChangeAspect="1"/>
+          </p:cNvSpPr>
+          <p:nvPr>
+            <p:ph type="sldImg"/>
+          </p:nvPr>
+        </p:nvSpPr>
+        <p:spPr/>
+      </p:sp>
+      <p:sp>
+        <p:nvSpPr>
+          <p:cNvPr id="3" name="Notes Placeholder 2"/>
+          <p:cNvSpPr>
+            <a:spLocks noGrp="1"/>
+          </p:cNvSpPr>
+          <p:nvPr>
+            <p:ph type="body" idx="1"/>
+          </p:nvPr>
+        </p:nvSpPr>
+        <p:spPr/>
+        <p:txBody>
+          <a:bodyPr/>
+          <a:lstStyle/>
+          <a:p>
+            <a:endParaRPr lang="en-US" dirty="0"/>
+          </a:p>
+        </p:txBody>
+      </p:sp>
+      <p:sp>
+        <p:nvSpPr>
+          <p:cNvPr id="4" name="Slide Number Placeholder 3"/>
+          <p:cNvSpPr>
+            <a:spLocks noGrp="1"/>
+          </p:cNvSpPr>
+          <p:nvPr>
+            <p:ph type="sldNum" sz="quarter" idx="5"/>
+          </p:nvPr>
+        </p:nvSpPr>
+        <p:spPr/>
+        <p:txBody>
+          <a:bodyPr/>
+          <a:lstStyle/>
+          <a:p>
+            <a:fld id="{72202425-FF7F-4149-A7AB-444FA1A00A9F}" type="slidenum">
+              <a:rPr lang="ru-RU" smtClean="0"/>
+              <a:t>8</a:t>
+            </a:fld>
+            <a:endParaRPr lang="ru-RU"/>
+          </a:p>
+        </p:txBody>
+      </p:sp>
+    </p:spTree>
+    <p:extLst>
+      <p:ext uri="{BB962C8B-B14F-4D97-AF65-F5344CB8AC3E}">
+        <p14:creationId xmlns:p14="http://schemas.microsoft.com/office/powerpoint/2010/main" val="2347760384"/>
+      </p:ext>
+    </p:extLst>
+  </p:cSld>
+  <p:clrMapOvr>
+    <a:masterClrMapping/>
+  </p:clrMapOvr>
+</p:notes>
+</file>
+
+<file path=ppt/notesSlides/notesSlide5.xml><?xml version="1.0" encoding="utf-8"?>
+<p:notes xmlns:a="http://schemas.openxmlformats.org/drawingml/2006/main" xmlns:r="http://schemas.openxmlformats.org/officeDocument/2006/relationships" xmlns:p="http://schemas.openxmlformats.org/presentationml/2006/main">
+  <p:cSld>
+    <p:spTree>
+      <p:nvGrpSpPr>
+        <p:cNvPr id="1" name=""/>
+        <p:cNvGrpSpPr/>
+        <p:nvPr/>
+      </p:nvGrpSpPr>
+      <p:grpSpPr>
+        <a:xfrm>
+          <a:off x="0" y="0"/>
+          <a:ext cx="0" cy="0"/>
+          <a:chOff x="0" y="0"/>
+          <a:chExt cx="0" cy="0"/>
+        </a:xfrm>
+      </p:grpSpPr>
+      <p:sp>
+        <p:nvSpPr>
+          <p:cNvPr id="2" name="Slide Image Placeholder 1"/>
+          <p:cNvSpPr>
+            <a:spLocks noGrp="1" noRot="1" noChangeAspect="1"/>
+          </p:cNvSpPr>
+          <p:nvPr>
+            <p:ph type="sldImg"/>
+          </p:nvPr>
+        </p:nvSpPr>
+        <p:spPr/>
+      </p:sp>
+      <p:sp>
+        <p:nvSpPr>
+          <p:cNvPr id="3" name="Notes Placeholder 2"/>
+          <p:cNvSpPr>
+            <a:spLocks noGrp="1"/>
+          </p:cNvSpPr>
+          <p:nvPr>
+            <p:ph type="body" idx="1"/>
+          </p:nvPr>
+        </p:nvSpPr>
+        <p:spPr/>
+        <p:txBody>
+          <a:bodyPr/>
+          <a:lstStyle/>
+          <a:p>
+            <a:endParaRPr lang="en-US" dirty="0"/>
+          </a:p>
+        </p:txBody>
+      </p:sp>
+      <p:sp>
+        <p:nvSpPr>
+          <p:cNvPr id="4" name="Slide Number Placeholder 3"/>
+          <p:cNvSpPr>
+            <a:spLocks noGrp="1"/>
+          </p:cNvSpPr>
+          <p:nvPr>
+            <p:ph type="sldNum" sz="quarter" idx="5"/>
+          </p:nvPr>
+        </p:nvSpPr>
+        <p:spPr/>
+        <p:txBody>
+          <a:bodyPr/>
+          <a:lstStyle/>
+          <a:p>
+            <a:fld id="{72202425-FF7F-4149-A7AB-444FA1A00A9F}" type="slidenum">
+              <a:rPr lang="ru-RU" smtClean="0"/>
+              <a:t>9</a:t>
+            </a:fld>
+            <a:endParaRPr lang="ru-RU"/>
+          </a:p>
+        </p:txBody>
+      </p:sp>
+    </p:spTree>
+    <p:extLst>
+      <p:ext uri="{BB962C8B-B14F-4D97-AF65-F5344CB8AC3E}">
+        <p14:creationId xmlns:p14="http://schemas.microsoft.com/office/powerpoint/2010/main" val="4236246322"/>
+      </p:ext>
+    </p:extLst>
+  </p:cSld>
+  <p:clrMapOvr>
+    <a:masterClrMapping/>
+  </p:clrMapOvr>
+</p:notes>
+</file>
+
+<file path=ppt/notesSlides/notesSlide6.xml><?xml version="1.0" encoding="utf-8"?>
+<p:notes xmlns:a="http://schemas.openxmlformats.org/drawingml/2006/main" xmlns:r="http://schemas.openxmlformats.org/officeDocument/2006/relationships" xmlns:p="http://schemas.openxmlformats.org/presentationml/2006/main">
+  <p:cSld>
+    <p:spTree>
+      <p:nvGrpSpPr>
+        <p:cNvPr id="1" name=""/>
+        <p:cNvGrpSpPr/>
+        <p:nvPr/>
+      </p:nvGrpSpPr>
+      <p:grpSpPr>
+        <a:xfrm>
+          <a:off x="0" y="0"/>
+          <a:ext cx="0" cy="0"/>
+          <a:chOff x="0" y="0"/>
+          <a:chExt cx="0" cy="0"/>
+        </a:xfrm>
+      </p:grpSpPr>
+      <p:sp>
+        <p:nvSpPr>
+          <p:cNvPr id="2" name="Slide Image Placeholder 1"/>
+          <p:cNvSpPr>
+            <a:spLocks noGrp="1" noRot="1" noChangeAspect="1"/>
+          </p:cNvSpPr>
+          <p:nvPr>
+            <p:ph type="sldImg"/>
+          </p:nvPr>
+        </p:nvSpPr>
+        <p:spPr/>
+      </p:sp>
+      <p:sp>
+        <p:nvSpPr>
+          <p:cNvPr id="3" name="Notes Placeholder 2"/>
+          <p:cNvSpPr>
+            <a:spLocks noGrp="1"/>
+          </p:cNvSpPr>
+          <p:nvPr>
+            <p:ph type="body" idx="1"/>
+          </p:nvPr>
+        </p:nvSpPr>
+        <p:spPr/>
+        <p:txBody>
+          <a:bodyPr/>
+          <a:lstStyle/>
+          <a:p>
+            <a:endParaRPr lang="en-US" dirty="0"/>
+          </a:p>
+        </p:txBody>
+      </p:sp>
+      <p:sp>
+        <p:nvSpPr>
+          <p:cNvPr id="4" name="Slide Number Placeholder 3"/>
+          <p:cNvSpPr>
+            <a:spLocks noGrp="1"/>
+          </p:cNvSpPr>
+          <p:nvPr>
+            <p:ph type="sldNum" sz="quarter" idx="5"/>
+          </p:nvPr>
+        </p:nvSpPr>
+        <p:spPr/>
+        <p:txBody>
+          <a:bodyPr/>
+          <a:lstStyle/>
+          <a:p>
+            <a:fld id="{72202425-FF7F-4149-A7AB-444FA1A00A9F}" type="slidenum">
+              <a:rPr lang="ru-RU" smtClean="0"/>
+              <a:t>10</a:t>
+            </a:fld>
+            <a:endParaRPr lang="ru-RU"/>
+          </a:p>
+        </p:txBody>
+      </p:sp>
+    </p:spTree>
+    <p:extLst>
+      <p:ext uri="{BB962C8B-B14F-4D97-AF65-F5344CB8AC3E}">
+        <p14:creationId xmlns:p14="http://schemas.microsoft.com/office/powerpoint/2010/main" val="3919351886"/>
+      </p:ext>
+    </p:extLst>
+  </p:cSld>
+  <p:clrMapOvr>
+    <a:masterClrMapping/>
+  </p:clrMapOvr>
+</p:notes>
+</file>
+
+<file path=ppt/notesSlides/notesSlide7.xml><?xml version="1.0" encoding="utf-8"?>
+<p:notes xmlns:a="http://schemas.openxmlformats.org/drawingml/2006/main" xmlns:r="http://schemas.openxmlformats.org/officeDocument/2006/relationships" xmlns:p="http://schemas.openxmlformats.org/presentationml/2006/main">
+  <p:cSld>
+    <p:spTree>
+      <p:nvGrpSpPr>
+        <p:cNvPr id="1" name=""/>
+        <p:cNvGrpSpPr/>
+        <p:nvPr/>
+      </p:nvGrpSpPr>
+      <p:grpSpPr>
+        <a:xfrm>
+          <a:off x="0" y="0"/>
+          <a:ext cx="0" cy="0"/>
+          <a:chOff x="0" y="0"/>
+          <a:chExt cx="0" cy="0"/>
+        </a:xfrm>
+      </p:grpSpPr>
+      <p:sp>
+        <p:nvSpPr>
+          <p:cNvPr id="2" name="Slide Image Placeholder 1"/>
+          <p:cNvSpPr>
+            <a:spLocks noGrp="1" noRot="1" noChangeAspect="1"/>
+          </p:cNvSpPr>
+          <p:nvPr>
+            <p:ph type="sldImg"/>
+          </p:nvPr>
+        </p:nvSpPr>
+        <p:spPr/>
+      </p:sp>
+      <p:sp>
+        <p:nvSpPr>
+          <p:cNvPr id="3" name="Notes Placeholder 2"/>
+          <p:cNvSpPr>
+            <a:spLocks noGrp="1"/>
+          </p:cNvSpPr>
+          <p:nvPr>
+            <p:ph type="body" idx="1"/>
+          </p:nvPr>
+        </p:nvSpPr>
+        <p:spPr/>
+        <p:txBody>
+          <a:bodyPr/>
+          <a:lstStyle/>
+          <a:p>
+            <a:endParaRPr lang="en-US" dirty="0"/>
+          </a:p>
+        </p:txBody>
+      </p:sp>
+      <p:sp>
+        <p:nvSpPr>
+          <p:cNvPr id="4" name="Slide Number Placeholder 3"/>
+          <p:cNvSpPr>
+            <a:spLocks noGrp="1"/>
+          </p:cNvSpPr>
+          <p:nvPr>
+            <p:ph type="sldNum" sz="quarter" idx="5"/>
+          </p:nvPr>
+        </p:nvSpPr>
+        <p:spPr/>
+        <p:txBody>
+          <a:bodyPr/>
+          <a:lstStyle/>
+          <a:p>
+            <a:fld id="{72202425-FF7F-4149-A7AB-444FA1A00A9F}" type="slidenum">
+              <a:rPr lang="ru-RU" smtClean="0"/>
+              <a:t>11</a:t>
+            </a:fld>
+            <a:endParaRPr lang="ru-RU"/>
+          </a:p>
+        </p:txBody>
+      </p:sp>
+    </p:spTree>
+    <p:extLst>
+      <p:ext uri="{BB962C8B-B14F-4D97-AF65-F5344CB8AC3E}">
+        <p14:creationId xmlns:p14="http://schemas.microsoft.com/office/powerpoint/2010/main" val="634626486"/>
       </p:ext>
     </p:extLst>
   </p:cSld>
@@ -11318,6 +11658,1036 @@
 </p:sld>
 </file>
 
+<file path=ppt/slides/slide10.xml><?xml version="1.0" encoding="utf-8"?>
+<p:sld xmlns:a="http://schemas.openxmlformats.org/drawingml/2006/main" xmlns:r="http://schemas.openxmlformats.org/officeDocument/2006/relationships" xmlns:p="http://schemas.openxmlformats.org/presentationml/2006/main">
+  <p:cSld>
+    <p:spTree>
+      <p:nvGrpSpPr>
+        <p:cNvPr id="1" name=""/>
+        <p:cNvGrpSpPr/>
+        <p:nvPr/>
+      </p:nvGrpSpPr>
+      <p:grpSpPr>
+        <a:xfrm>
+          <a:off x="0" y="0"/>
+          <a:ext cx="0" cy="0"/>
+          <a:chOff x="0" y="0"/>
+          <a:chExt cx="0" cy="0"/>
+        </a:xfrm>
+      </p:grpSpPr>
+      <p:sp>
+        <p:nvSpPr>
+          <p:cNvPr id="3" name="Title 2">
+            <a:extLst>
+              <a:ext uri="{FF2B5EF4-FFF2-40B4-BE49-F238E27FC236}">
+                <a16:creationId xmlns:a16="http://schemas.microsoft.com/office/drawing/2014/main" id="{706501E4-6246-A606-7483-C427CF30CD57}"/>
+              </a:ext>
+            </a:extLst>
+          </p:cNvPr>
+          <p:cNvSpPr>
+            <a:spLocks noGrp="1"/>
+          </p:cNvSpPr>
+          <p:nvPr>
+            <p:ph type="title"/>
+          </p:nvPr>
+        </p:nvSpPr>
+        <p:spPr/>
+        <p:txBody>
+          <a:bodyPr/>
+          <a:lstStyle/>
+          <a:p>
+            <a:r>
+              <a:rPr lang="en-US" dirty="0"/>
+              <a:t>HELM Templating</a:t>
+            </a:r>
+            <a:endParaRPr lang="en-RU" dirty="0"/>
+          </a:p>
+        </p:txBody>
+      </p:sp>
+      <p:sp>
+        <p:nvSpPr>
+          <p:cNvPr id="4" name="TextBox 3">
+            <a:extLst>
+              <a:ext uri="{FF2B5EF4-FFF2-40B4-BE49-F238E27FC236}">
+                <a16:creationId xmlns:a16="http://schemas.microsoft.com/office/drawing/2014/main" id="{D21DE26C-3928-E33E-6CB7-43E196FC5E62}"/>
+              </a:ext>
+            </a:extLst>
+          </p:cNvPr>
+          <p:cNvSpPr txBox="1"/>
+          <p:nvPr/>
+        </p:nvSpPr>
+        <p:spPr>
+          <a:xfrm>
+            <a:off x="10654302" y="1111118"/>
+            <a:ext cx="3513762" cy="923330"/>
+          </a:xfrm>
+          <a:prstGeom prst="rect">
+            <a:avLst/>
+          </a:prstGeom>
+          <a:noFill/>
+        </p:spPr>
+        <p:txBody>
+          <a:bodyPr wrap="square" rtlCol="0">
+            <a:spAutoFit/>
+          </a:bodyPr>
+          <a:lstStyle/>
+          <a:p>
+            <a:r>
+              <a:rPr lang="en-US" dirty="0"/>
+              <a:t>WHY do we need this?</a:t>
+            </a:r>
+          </a:p>
+          <a:p>
+            <a:r>
+              <a:rPr lang="en-US" dirty="0"/>
+              <a:t>To ease and unify deployment configuration for different </a:t>
+            </a:r>
+            <a:r>
+              <a:rPr lang="en-US" dirty="0" err="1"/>
+              <a:t>envs</a:t>
+            </a:r>
+            <a:r>
+              <a:rPr lang="en-US" dirty="0"/>
+              <a:t>.</a:t>
+            </a:r>
+          </a:p>
+        </p:txBody>
+      </p:sp>
+      <p:sp>
+        <p:nvSpPr>
+          <p:cNvPr id="2" name="TextBox 1">
+            <a:extLst>
+              <a:ext uri="{FF2B5EF4-FFF2-40B4-BE49-F238E27FC236}">
+                <a16:creationId xmlns:a16="http://schemas.microsoft.com/office/drawing/2014/main" id="{4501449D-CF4E-4F07-128D-1591BBE138B2}"/>
+              </a:ext>
+            </a:extLst>
+          </p:cNvPr>
+          <p:cNvSpPr txBox="1"/>
+          <p:nvPr/>
+        </p:nvSpPr>
+        <p:spPr>
+          <a:xfrm>
+            <a:off x="3028878" y="5144294"/>
+            <a:ext cx="12230244" cy="707886"/>
+          </a:xfrm>
+          <a:prstGeom prst="rect">
+            <a:avLst/>
+          </a:prstGeom>
+          <a:noFill/>
+        </p:spPr>
+        <p:txBody>
+          <a:bodyPr wrap="square">
+            <a:spAutoFit/>
+          </a:bodyPr>
+          <a:lstStyle/>
+          <a:p>
+            <a:r>
+              <a:rPr lang="en-US" sz="4000" dirty="0">
+                <a:solidFill>
+                  <a:prstClr val="black"/>
+                </a:solidFill>
+                <a:latin typeface="Lucida Console" panose="020B0609040504020204" pitchFamily="49" charset="0"/>
+              </a:rPr>
+              <a:t>helm template my-release-name my-chart/</a:t>
+            </a:r>
+            <a:endParaRPr lang="en-US" sz="4000" dirty="0"/>
+          </a:p>
+        </p:txBody>
+      </p:sp>
+    </p:spTree>
+    <p:extLst>
+      <p:ext uri="{BB962C8B-B14F-4D97-AF65-F5344CB8AC3E}">
+        <p14:creationId xmlns:p14="http://schemas.microsoft.com/office/powerpoint/2010/main" val="264978186"/>
+      </p:ext>
+    </p:extLst>
+  </p:cSld>
+  <p:clrMapOvr>
+    <a:masterClrMapping/>
+  </p:clrMapOvr>
+</p:sld>
+</file>
+
+<file path=ppt/slides/slide11.xml><?xml version="1.0" encoding="utf-8"?>
+<p:sld xmlns:a="http://schemas.openxmlformats.org/drawingml/2006/main" xmlns:r="http://schemas.openxmlformats.org/officeDocument/2006/relationships" xmlns:p="http://schemas.openxmlformats.org/presentationml/2006/main">
+  <p:cSld>
+    <p:spTree>
+      <p:nvGrpSpPr>
+        <p:cNvPr id="1" name=""/>
+        <p:cNvGrpSpPr/>
+        <p:nvPr/>
+      </p:nvGrpSpPr>
+      <p:grpSpPr>
+        <a:xfrm>
+          <a:off x="0" y="0"/>
+          <a:ext cx="0" cy="0"/>
+          <a:chOff x="0" y="0"/>
+          <a:chExt cx="0" cy="0"/>
+        </a:xfrm>
+      </p:grpSpPr>
+      <p:sp>
+        <p:nvSpPr>
+          <p:cNvPr id="3" name="Title 2">
+            <a:extLst>
+              <a:ext uri="{FF2B5EF4-FFF2-40B4-BE49-F238E27FC236}">
+                <a16:creationId xmlns:a16="http://schemas.microsoft.com/office/drawing/2014/main" id="{706501E4-6246-A606-7483-C427CF30CD57}"/>
+              </a:ext>
+            </a:extLst>
+          </p:cNvPr>
+          <p:cNvSpPr>
+            <a:spLocks noGrp="1"/>
+          </p:cNvSpPr>
+          <p:nvPr>
+            <p:ph type="title"/>
+          </p:nvPr>
+        </p:nvSpPr>
+        <p:spPr/>
+        <p:txBody>
+          <a:bodyPr/>
+          <a:lstStyle/>
+          <a:p>
+            <a:r>
+              <a:rPr lang="en-US" dirty="0"/>
+              <a:t>HELM Templating</a:t>
+            </a:r>
+            <a:endParaRPr lang="en-RU" dirty="0"/>
+          </a:p>
+        </p:txBody>
+      </p:sp>
+      <p:sp>
+        <p:nvSpPr>
+          <p:cNvPr id="4" name="TextBox 3">
+            <a:extLst>
+              <a:ext uri="{FF2B5EF4-FFF2-40B4-BE49-F238E27FC236}">
+                <a16:creationId xmlns:a16="http://schemas.microsoft.com/office/drawing/2014/main" id="{D21DE26C-3928-E33E-6CB7-43E196FC5E62}"/>
+              </a:ext>
+            </a:extLst>
+          </p:cNvPr>
+          <p:cNvSpPr txBox="1"/>
+          <p:nvPr/>
+        </p:nvSpPr>
+        <p:spPr>
+          <a:xfrm>
+            <a:off x="10654302" y="1111118"/>
+            <a:ext cx="3513762" cy="923330"/>
+          </a:xfrm>
+          <a:prstGeom prst="rect">
+            <a:avLst/>
+          </a:prstGeom>
+          <a:noFill/>
+        </p:spPr>
+        <p:txBody>
+          <a:bodyPr wrap="square" rtlCol="0">
+            <a:spAutoFit/>
+          </a:bodyPr>
+          <a:lstStyle/>
+          <a:p>
+            <a:r>
+              <a:rPr lang="en-US" dirty="0"/>
+              <a:t>WHY do we need this?</a:t>
+            </a:r>
+          </a:p>
+          <a:p>
+            <a:r>
+              <a:rPr lang="en-US" dirty="0"/>
+              <a:t>To ease and unify deployment configuration for different </a:t>
+            </a:r>
+            <a:r>
+              <a:rPr lang="en-US" dirty="0" err="1"/>
+              <a:t>envs</a:t>
+            </a:r>
+            <a:r>
+              <a:rPr lang="en-US" dirty="0"/>
+              <a:t>.</a:t>
+            </a:r>
+          </a:p>
+        </p:txBody>
+      </p:sp>
+      <p:sp>
+        <p:nvSpPr>
+          <p:cNvPr id="5" name="TextBox 4">
+            <a:extLst>
+              <a:ext uri="{FF2B5EF4-FFF2-40B4-BE49-F238E27FC236}">
+                <a16:creationId xmlns:a16="http://schemas.microsoft.com/office/drawing/2014/main" id="{7EA37416-AC5E-3B52-844D-97F759B12D26}"/>
+              </a:ext>
+            </a:extLst>
+          </p:cNvPr>
+          <p:cNvSpPr txBox="1"/>
+          <p:nvPr/>
+        </p:nvSpPr>
+        <p:spPr>
+          <a:xfrm>
+            <a:off x="11250386" y="4091053"/>
+            <a:ext cx="7037614" cy="5632311"/>
+          </a:xfrm>
+          <a:prstGeom prst="rect">
+            <a:avLst/>
+          </a:prstGeom>
+          <a:noFill/>
+        </p:spPr>
+        <p:txBody>
+          <a:bodyPr wrap="square">
+            <a:spAutoFit/>
+          </a:bodyPr>
+          <a:lstStyle/>
+          <a:p>
+            <a:r>
+              <a:rPr lang="en-US" sz="1800" dirty="0" err="1">
+                <a:solidFill>
+                  <a:prstClr val="black"/>
+                </a:solidFill>
+                <a:latin typeface="Lucida Console" panose="020B0609040504020204" pitchFamily="49" charset="0"/>
+              </a:rPr>
+              <a:t>apiVersion</a:t>
+            </a:r>
+            <a:r>
+              <a:rPr lang="en-US" sz="1800" dirty="0">
+                <a:solidFill>
+                  <a:prstClr val="black"/>
+                </a:solidFill>
+                <a:latin typeface="Lucida Console" panose="020B0609040504020204" pitchFamily="49" charset="0"/>
+              </a:rPr>
+              <a:t>: v1</a:t>
+            </a:r>
+          </a:p>
+          <a:p>
+            <a:r>
+              <a:rPr lang="en-US" sz="1800" dirty="0">
+                <a:solidFill>
+                  <a:prstClr val="black"/>
+                </a:solidFill>
+                <a:latin typeface="Lucida Console" panose="020B0609040504020204" pitchFamily="49" charset="0"/>
+              </a:rPr>
+              <a:t>kind: Service</a:t>
+            </a:r>
+          </a:p>
+          <a:p>
+            <a:r>
+              <a:rPr lang="en-US" sz="1800" dirty="0">
+                <a:solidFill>
+                  <a:prstClr val="black"/>
+                </a:solidFill>
+                <a:latin typeface="Lucida Console" panose="020B0609040504020204" pitchFamily="49" charset="0"/>
+              </a:rPr>
+              <a:t>metadata:</a:t>
+            </a:r>
+          </a:p>
+          <a:p>
+            <a:r>
+              <a:rPr lang="en-US" sz="1800" dirty="0">
+                <a:solidFill>
+                  <a:prstClr val="black"/>
+                </a:solidFill>
+                <a:latin typeface="Lucida Console" panose="020B0609040504020204" pitchFamily="49" charset="0"/>
+              </a:rPr>
+              <a:t>  name: my-release-name-my-chart</a:t>
+            </a:r>
+          </a:p>
+          <a:p>
+            <a:r>
+              <a:rPr lang="en-US" sz="1800" dirty="0">
+                <a:solidFill>
+                  <a:prstClr val="black"/>
+                </a:solidFill>
+                <a:latin typeface="Lucida Console" panose="020B0609040504020204" pitchFamily="49" charset="0"/>
+              </a:rPr>
+              <a:t>  labels:</a:t>
+            </a:r>
+          </a:p>
+          <a:p>
+            <a:r>
+              <a:rPr lang="en-US" sz="1800" dirty="0">
+                <a:solidFill>
+                  <a:prstClr val="black"/>
+                </a:solidFill>
+                <a:latin typeface="Lucida Console" panose="020B0609040504020204" pitchFamily="49" charset="0"/>
+              </a:rPr>
+              <a:t>    helm.sh/chart: my-chart-0.1.0</a:t>
+            </a:r>
+          </a:p>
+          <a:p>
+            <a:r>
+              <a:rPr lang="en-US" sz="1800" dirty="0">
+                <a:solidFill>
+                  <a:prstClr val="black"/>
+                </a:solidFill>
+                <a:latin typeface="Lucida Console" panose="020B0609040504020204" pitchFamily="49" charset="0"/>
+              </a:rPr>
+              <a:t>    app.kubernetes.io/name: my-chart</a:t>
+            </a:r>
+          </a:p>
+          <a:p>
+            <a:r>
+              <a:rPr lang="en-US" sz="1800" dirty="0">
+                <a:solidFill>
+                  <a:prstClr val="black"/>
+                </a:solidFill>
+                <a:latin typeface="Lucida Console" panose="020B0609040504020204" pitchFamily="49" charset="0"/>
+              </a:rPr>
+              <a:t>    app.kubernetes.io/instance: my-release-name</a:t>
+            </a:r>
+          </a:p>
+          <a:p>
+            <a:r>
+              <a:rPr lang="de-DE" sz="1800" dirty="0">
+                <a:solidFill>
+                  <a:prstClr val="black"/>
+                </a:solidFill>
+                <a:latin typeface="Lucida Console" panose="020B0609040504020204" pitchFamily="49" charset="0"/>
+              </a:rPr>
+              <a:t>    app.kubernetes.io/</a:t>
+            </a:r>
+            <a:r>
+              <a:rPr lang="de-DE" sz="1800" dirty="0" err="1">
+                <a:solidFill>
+                  <a:prstClr val="black"/>
+                </a:solidFill>
+                <a:latin typeface="Lucida Console" panose="020B0609040504020204" pitchFamily="49" charset="0"/>
+              </a:rPr>
+              <a:t>version</a:t>
+            </a:r>
+            <a:r>
+              <a:rPr lang="de-DE" sz="1800" dirty="0">
+                <a:solidFill>
+                  <a:prstClr val="black"/>
+                </a:solidFill>
+                <a:latin typeface="Lucida Console" panose="020B0609040504020204" pitchFamily="49" charset="0"/>
+              </a:rPr>
+              <a:t>: "1.16.0"</a:t>
+            </a:r>
+          </a:p>
+          <a:p>
+            <a:r>
+              <a:rPr lang="en-US" sz="1800" dirty="0">
+                <a:solidFill>
+                  <a:prstClr val="black"/>
+                </a:solidFill>
+                <a:latin typeface="Lucida Console" panose="020B0609040504020204" pitchFamily="49" charset="0"/>
+              </a:rPr>
+              <a:t>    app.kubernetes.io/managed-by: Helm</a:t>
+            </a:r>
+          </a:p>
+          <a:p>
+            <a:r>
+              <a:rPr lang="en-US" sz="1800" dirty="0">
+                <a:solidFill>
+                  <a:prstClr val="black"/>
+                </a:solidFill>
+                <a:latin typeface="Lucida Console" panose="020B0609040504020204" pitchFamily="49" charset="0"/>
+              </a:rPr>
+              <a:t>spec:</a:t>
+            </a:r>
+          </a:p>
+          <a:p>
+            <a:r>
+              <a:rPr lang="en-US" sz="1800" dirty="0">
+                <a:solidFill>
+                  <a:prstClr val="black"/>
+                </a:solidFill>
+                <a:latin typeface="Lucida Console" panose="020B0609040504020204" pitchFamily="49" charset="0"/>
+              </a:rPr>
+              <a:t>  type: </a:t>
+            </a:r>
+            <a:r>
+              <a:rPr lang="en-US" sz="1800" dirty="0" err="1">
+                <a:solidFill>
+                  <a:prstClr val="black"/>
+                </a:solidFill>
+                <a:latin typeface="Lucida Console" panose="020B0609040504020204" pitchFamily="49" charset="0"/>
+              </a:rPr>
+              <a:t>ClusterIP</a:t>
+            </a:r>
+            <a:endParaRPr lang="en-US" sz="1800" dirty="0">
+              <a:solidFill>
+                <a:prstClr val="black"/>
+              </a:solidFill>
+              <a:latin typeface="Lucida Console" panose="020B0609040504020204" pitchFamily="49" charset="0"/>
+            </a:endParaRPr>
+          </a:p>
+          <a:p>
+            <a:r>
+              <a:rPr lang="en-US" sz="1800" dirty="0">
+                <a:solidFill>
+                  <a:prstClr val="black"/>
+                </a:solidFill>
+                <a:latin typeface="Lucida Console" panose="020B0609040504020204" pitchFamily="49" charset="0"/>
+              </a:rPr>
+              <a:t>  ports:</a:t>
+            </a:r>
+          </a:p>
+          <a:p>
+            <a:r>
+              <a:rPr lang="en-US" sz="1800" dirty="0">
+                <a:solidFill>
+                  <a:prstClr val="black"/>
+                </a:solidFill>
+                <a:latin typeface="Lucida Console" panose="020B0609040504020204" pitchFamily="49" charset="0"/>
+              </a:rPr>
+              <a:t>    - port: 80</a:t>
+            </a:r>
+          </a:p>
+          <a:p>
+            <a:r>
+              <a:rPr lang="en-US" sz="1800" dirty="0">
+                <a:solidFill>
+                  <a:prstClr val="black"/>
+                </a:solidFill>
+                <a:latin typeface="Lucida Console" panose="020B0609040504020204" pitchFamily="49" charset="0"/>
+              </a:rPr>
+              <a:t>      </a:t>
+            </a:r>
+            <a:r>
+              <a:rPr lang="en-US" sz="1800" dirty="0" err="1">
+                <a:solidFill>
+                  <a:prstClr val="black"/>
+                </a:solidFill>
+                <a:latin typeface="Lucida Console" panose="020B0609040504020204" pitchFamily="49" charset="0"/>
+              </a:rPr>
+              <a:t>targetPort</a:t>
+            </a:r>
+            <a:r>
+              <a:rPr lang="en-US" sz="1800" dirty="0">
+                <a:solidFill>
+                  <a:prstClr val="black"/>
+                </a:solidFill>
+                <a:latin typeface="Lucida Console" panose="020B0609040504020204" pitchFamily="49" charset="0"/>
+              </a:rPr>
+              <a:t>: http</a:t>
+            </a:r>
+          </a:p>
+          <a:p>
+            <a:r>
+              <a:rPr lang="en-US" sz="1800" dirty="0">
+                <a:solidFill>
+                  <a:prstClr val="black"/>
+                </a:solidFill>
+                <a:latin typeface="Lucida Console" panose="020B0609040504020204" pitchFamily="49" charset="0"/>
+              </a:rPr>
+              <a:t>      protocol: TCP</a:t>
+            </a:r>
+          </a:p>
+          <a:p>
+            <a:r>
+              <a:rPr lang="en-US" sz="1800" dirty="0">
+                <a:solidFill>
+                  <a:prstClr val="black"/>
+                </a:solidFill>
+                <a:latin typeface="Lucida Console" panose="020B0609040504020204" pitchFamily="49" charset="0"/>
+              </a:rPr>
+              <a:t>      name: http</a:t>
+            </a:r>
+          </a:p>
+          <a:p>
+            <a:r>
+              <a:rPr lang="en-US" sz="1800" dirty="0">
+                <a:solidFill>
+                  <a:prstClr val="black"/>
+                </a:solidFill>
+                <a:latin typeface="Lucida Console" panose="020B0609040504020204" pitchFamily="49" charset="0"/>
+              </a:rPr>
+              <a:t>  selector:</a:t>
+            </a:r>
+          </a:p>
+          <a:p>
+            <a:r>
+              <a:rPr lang="en-US" sz="1800" dirty="0">
+                <a:solidFill>
+                  <a:prstClr val="black"/>
+                </a:solidFill>
+                <a:latin typeface="Lucida Console" panose="020B0609040504020204" pitchFamily="49" charset="0"/>
+              </a:rPr>
+              <a:t>    app.kubernetes.io/name: my-chart</a:t>
+            </a:r>
+          </a:p>
+          <a:p>
+            <a:r>
+              <a:rPr lang="en-US" sz="1800" dirty="0">
+                <a:solidFill>
+                  <a:prstClr val="black"/>
+                </a:solidFill>
+                <a:latin typeface="Lucida Console" panose="020B0609040504020204" pitchFamily="49" charset="0"/>
+              </a:rPr>
+              <a:t>    app.kubernetes.io/instance: my-release-name</a:t>
+            </a:r>
+            <a:endParaRPr lang="en-US" dirty="0"/>
+          </a:p>
+        </p:txBody>
+      </p:sp>
+      <p:sp>
+        <p:nvSpPr>
+          <p:cNvPr id="6" name="TextBox 5">
+            <a:extLst>
+              <a:ext uri="{FF2B5EF4-FFF2-40B4-BE49-F238E27FC236}">
+                <a16:creationId xmlns:a16="http://schemas.microsoft.com/office/drawing/2014/main" id="{97D769F0-3632-91C7-2125-825A9A546F1A}"/>
+              </a:ext>
+            </a:extLst>
+          </p:cNvPr>
+          <p:cNvSpPr txBox="1"/>
+          <p:nvPr/>
+        </p:nvSpPr>
+        <p:spPr>
+          <a:xfrm>
+            <a:off x="11250386" y="3414601"/>
+            <a:ext cx="2915583" cy="584775"/>
+          </a:xfrm>
+          <a:prstGeom prst="rect">
+            <a:avLst/>
+          </a:prstGeom>
+          <a:noFill/>
+        </p:spPr>
+        <p:txBody>
+          <a:bodyPr wrap="square" rtlCol="0">
+            <a:spAutoFit/>
+          </a:bodyPr>
+          <a:lstStyle/>
+          <a:p>
+            <a:r>
+              <a:rPr lang="en-US" sz="3200" dirty="0" err="1"/>
+              <a:t>service.yaml</a:t>
+            </a:r>
+            <a:endParaRPr lang="en-US" sz="3200" dirty="0"/>
+          </a:p>
+        </p:txBody>
+      </p:sp>
+      <p:sp>
+        <p:nvSpPr>
+          <p:cNvPr id="8" name="TextBox 7">
+            <a:extLst>
+              <a:ext uri="{FF2B5EF4-FFF2-40B4-BE49-F238E27FC236}">
+                <a16:creationId xmlns:a16="http://schemas.microsoft.com/office/drawing/2014/main" id="{2563D290-A3E9-C55A-C285-EEC60AD31F5B}"/>
+              </a:ext>
+            </a:extLst>
+          </p:cNvPr>
+          <p:cNvSpPr txBox="1"/>
+          <p:nvPr/>
+        </p:nvSpPr>
+        <p:spPr>
+          <a:xfrm>
+            <a:off x="767299" y="4328492"/>
+            <a:ext cx="8376701" cy="4247317"/>
+          </a:xfrm>
+          <a:prstGeom prst="rect">
+            <a:avLst/>
+          </a:prstGeom>
+          <a:noFill/>
+        </p:spPr>
+        <p:txBody>
+          <a:bodyPr wrap="square">
+            <a:spAutoFit/>
+          </a:bodyPr>
+          <a:lstStyle/>
+          <a:p>
+            <a:r>
+              <a:rPr lang="en-US" sz="1800" dirty="0" err="1">
+                <a:solidFill>
+                  <a:prstClr val="black"/>
+                </a:solidFill>
+                <a:latin typeface="Lucida Console" panose="020B0609040504020204" pitchFamily="49" charset="0"/>
+              </a:rPr>
+              <a:t>apiVersion</a:t>
+            </a:r>
+            <a:r>
+              <a:rPr lang="en-US" sz="1800" dirty="0">
+                <a:solidFill>
+                  <a:prstClr val="black"/>
+                </a:solidFill>
+                <a:latin typeface="Lucida Console" panose="020B0609040504020204" pitchFamily="49" charset="0"/>
+              </a:rPr>
+              <a:t>: v1</a:t>
+            </a:r>
+          </a:p>
+          <a:p>
+            <a:r>
+              <a:rPr lang="en-US" sz="1800" dirty="0">
+                <a:solidFill>
+                  <a:prstClr val="black"/>
+                </a:solidFill>
+                <a:latin typeface="Lucida Console" panose="020B0609040504020204" pitchFamily="49" charset="0"/>
+              </a:rPr>
+              <a:t>kind: Service</a:t>
+            </a:r>
+          </a:p>
+          <a:p>
+            <a:r>
+              <a:rPr lang="en-US" sz="1800" dirty="0">
+                <a:solidFill>
+                  <a:prstClr val="black"/>
+                </a:solidFill>
+                <a:latin typeface="Lucida Console" panose="020B0609040504020204" pitchFamily="49" charset="0"/>
+              </a:rPr>
+              <a:t>metadata:</a:t>
+            </a:r>
+          </a:p>
+          <a:p>
+            <a:r>
+              <a:rPr lang="en-US" sz="1800" dirty="0">
+                <a:solidFill>
+                  <a:prstClr val="black"/>
+                </a:solidFill>
+                <a:latin typeface="Lucida Console" panose="020B0609040504020204" pitchFamily="49" charset="0"/>
+              </a:rPr>
+              <a:t>  name: {{ include "my-</a:t>
+            </a:r>
+            <a:r>
+              <a:rPr lang="en-US" sz="1800" dirty="0" err="1">
+                <a:solidFill>
+                  <a:prstClr val="black"/>
+                </a:solidFill>
+                <a:latin typeface="Lucida Console" panose="020B0609040504020204" pitchFamily="49" charset="0"/>
+              </a:rPr>
+              <a:t>chart.fullname</a:t>
+            </a:r>
+            <a:r>
+              <a:rPr lang="en-US" sz="1800" dirty="0">
+                <a:solidFill>
+                  <a:prstClr val="black"/>
+                </a:solidFill>
+                <a:latin typeface="Lucida Console" panose="020B0609040504020204" pitchFamily="49" charset="0"/>
+              </a:rPr>
+              <a:t>" . }}</a:t>
+            </a:r>
+          </a:p>
+          <a:p>
+            <a:r>
+              <a:rPr lang="en-US" sz="1800" dirty="0">
+                <a:solidFill>
+                  <a:prstClr val="black"/>
+                </a:solidFill>
+                <a:latin typeface="Lucida Console" panose="020B0609040504020204" pitchFamily="49" charset="0"/>
+              </a:rPr>
+              <a:t>  labels:</a:t>
+            </a:r>
+          </a:p>
+          <a:p>
+            <a:r>
+              <a:rPr lang="en-US" sz="1800" dirty="0">
+                <a:solidFill>
+                  <a:prstClr val="black"/>
+                </a:solidFill>
+                <a:latin typeface="Lucida Console" panose="020B0609040504020204" pitchFamily="49" charset="0"/>
+              </a:rPr>
+              <a:t>    {{- include "my-</a:t>
+            </a:r>
+            <a:r>
+              <a:rPr lang="en-US" sz="1800" dirty="0" err="1">
+                <a:solidFill>
+                  <a:prstClr val="black"/>
+                </a:solidFill>
+                <a:latin typeface="Lucida Console" panose="020B0609040504020204" pitchFamily="49" charset="0"/>
+              </a:rPr>
+              <a:t>chart.labels</a:t>
+            </a:r>
+            <a:r>
+              <a:rPr lang="en-US" sz="1800" dirty="0">
+                <a:solidFill>
+                  <a:prstClr val="black"/>
+                </a:solidFill>
+                <a:latin typeface="Lucida Console" panose="020B0609040504020204" pitchFamily="49" charset="0"/>
+              </a:rPr>
+              <a:t>" . | </a:t>
+            </a:r>
+            <a:r>
+              <a:rPr lang="en-US" sz="1800" dirty="0" err="1">
+                <a:solidFill>
+                  <a:prstClr val="black"/>
+                </a:solidFill>
+                <a:latin typeface="Lucida Console" panose="020B0609040504020204" pitchFamily="49" charset="0"/>
+              </a:rPr>
+              <a:t>nindent</a:t>
+            </a:r>
+            <a:r>
+              <a:rPr lang="en-US" sz="1800" dirty="0">
+                <a:solidFill>
+                  <a:prstClr val="black"/>
+                </a:solidFill>
+                <a:latin typeface="Lucida Console" panose="020B0609040504020204" pitchFamily="49" charset="0"/>
+              </a:rPr>
+              <a:t> 4 }}</a:t>
+            </a:r>
+          </a:p>
+          <a:p>
+            <a:r>
+              <a:rPr lang="en-US" sz="1800" dirty="0">
+                <a:solidFill>
+                  <a:prstClr val="black"/>
+                </a:solidFill>
+                <a:latin typeface="Lucida Console" panose="020B0609040504020204" pitchFamily="49" charset="0"/>
+              </a:rPr>
+              <a:t>spec:</a:t>
+            </a:r>
+          </a:p>
+          <a:p>
+            <a:r>
+              <a:rPr lang="en-US" sz="1800" dirty="0">
+                <a:solidFill>
+                  <a:prstClr val="black"/>
+                </a:solidFill>
+                <a:latin typeface="Lucida Console" panose="020B0609040504020204" pitchFamily="49" charset="0"/>
+              </a:rPr>
+              <a:t>  type: {{ .</a:t>
+            </a:r>
+            <a:r>
+              <a:rPr lang="en-US" sz="1800" dirty="0" err="1">
+                <a:solidFill>
+                  <a:prstClr val="black"/>
+                </a:solidFill>
+                <a:latin typeface="Lucida Console" panose="020B0609040504020204" pitchFamily="49" charset="0"/>
+              </a:rPr>
+              <a:t>Values.service.type</a:t>
+            </a:r>
+            <a:r>
+              <a:rPr lang="en-US" sz="1800" dirty="0">
+                <a:solidFill>
+                  <a:prstClr val="black"/>
+                </a:solidFill>
+                <a:latin typeface="Lucida Console" panose="020B0609040504020204" pitchFamily="49" charset="0"/>
+              </a:rPr>
+              <a:t> }}</a:t>
+            </a:r>
+          </a:p>
+          <a:p>
+            <a:r>
+              <a:rPr lang="en-US" sz="1800" dirty="0">
+                <a:solidFill>
+                  <a:prstClr val="black"/>
+                </a:solidFill>
+                <a:latin typeface="Lucida Console" panose="020B0609040504020204" pitchFamily="49" charset="0"/>
+              </a:rPr>
+              <a:t>  ports:</a:t>
+            </a:r>
+          </a:p>
+          <a:p>
+            <a:r>
+              <a:rPr lang="en-US" sz="1800" dirty="0">
+                <a:solidFill>
+                  <a:prstClr val="black"/>
+                </a:solidFill>
+                <a:latin typeface="Lucida Console" panose="020B0609040504020204" pitchFamily="49" charset="0"/>
+              </a:rPr>
+              <a:t>    - port: {{ .</a:t>
+            </a:r>
+            <a:r>
+              <a:rPr lang="en-US" sz="1800" dirty="0" err="1">
+                <a:solidFill>
+                  <a:prstClr val="black"/>
+                </a:solidFill>
+                <a:latin typeface="Lucida Console" panose="020B0609040504020204" pitchFamily="49" charset="0"/>
+              </a:rPr>
+              <a:t>Values.service.port</a:t>
+            </a:r>
+            <a:r>
+              <a:rPr lang="en-US" sz="1800" dirty="0">
+                <a:solidFill>
+                  <a:prstClr val="black"/>
+                </a:solidFill>
+                <a:latin typeface="Lucida Console" panose="020B0609040504020204" pitchFamily="49" charset="0"/>
+              </a:rPr>
+              <a:t> }}</a:t>
+            </a:r>
+          </a:p>
+          <a:p>
+            <a:r>
+              <a:rPr lang="en-US" sz="1800" dirty="0">
+                <a:solidFill>
+                  <a:prstClr val="black"/>
+                </a:solidFill>
+                <a:latin typeface="Lucida Console" panose="020B0609040504020204" pitchFamily="49" charset="0"/>
+              </a:rPr>
+              <a:t>      </a:t>
+            </a:r>
+            <a:r>
+              <a:rPr lang="en-US" sz="1800" dirty="0" err="1">
+                <a:solidFill>
+                  <a:prstClr val="black"/>
+                </a:solidFill>
+                <a:latin typeface="Lucida Console" panose="020B0609040504020204" pitchFamily="49" charset="0"/>
+              </a:rPr>
+              <a:t>targetPort</a:t>
+            </a:r>
+            <a:r>
+              <a:rPr lang="en-US" sz="1800" dirty="0">
+                <a:solidFill>
+                  <a:prstClr val="black"/>
+                </a:solidFill>
+                <a:latin typeface="Lucida Console" panose="020B0609040504020204" pitchFamily="49" charset="0"/>
+              </a:rPr>
+              <a:t>: http</a:t>
+            </a:r>
+          </a:p>
+          <a:p>
+            <a:r>
+              <a:rPr lang="en-US" sz="1800" dirty="0">
+                <a:solidFill>
+                  <a:prstClr val="black"/>
+                </a:solidFill>
+                <a:latin typeface="Lucida Console" panose="020B0609040504020204" pitchFamily="49" charset="0"/>
+              </a:rPr>
+              <a:t>      protocol: TCP</a:t>
+            </a:r>
+          </a:p>
+          <a:p>
+            <a:r>
+              <a:rPr lang="en-US" sz="1800" dirty="0">
+                <a:solidFill>
+                  <a:prstClr val="black"/>
+                </a:solidFill>
+                <a:latin typeface="Lucida Console" panose="020B0609040504020204" pitchFamily="49" charset="0"/>
+              </a:rPr>
+              <a:t>      name: http</a:t>
+            </a:r>
+          </a:p>
+          <a:p>
+            <a:r>
+              <a:rPr lang="en-US" sz="1800" dirty="0">
+                <a:solidFill>
+                  <a:prstClr val="black"/>
+                </a:solidFill>
+                <a:latin typeface="Lucida Console" panose="020B0609040504020204" pitchFamily="49" charset="0"/>
+              </a:rPr>
+              <a:t>  selector:</a:t>
+            </a:r>
+          </a:p>
+          <a:p>
+            <a:r>
+              <a:rPr lang="en-US" sz="1800" dirty="0">
+                <a:solidFill>
+                  <a:prstClr val="black"/>
+                </a:solidFill>
+                <a:latin typeface="Lucida Console" panose="020B0609040504020204" pitchFamily="49" charset="0"/>
+              </a:rPr>
+              <a:t>    {{- include "my-</a:t>
+            </a:r>
+            <a:r>
+              <a:rPr lang="en-US" sz="1800" dirty="0" err="1">
+                <a:solidFill>
+                  <a:prstClr val="black"/>
+                </a:solidFill>
+                <a:latin typeface="Lucida Console" panose="020B0609040504020204" pitchFamily="49" charset="0"/>
+              </a:rPr>
+              <a:t>chart.selectorLabels</a:t>
+            </a:r>
+            <a:r>
+              <a:rPr lang="en-US" sz="1800" dirty="0">
+                <a:solidFill>
+                  <a:prstClr val="black"/>
+                </a:solidFill>
+                <a:latin typeface="Lucida Console" panose="020B0609040504020204" pitchFamily="49" charset="0"/>
+              </a:rPr>
+              <a:t>" . | </a:t>
+            </a:r>
+            <a:r>
+              <a:rPr lang="en-US" sz="1800" dirty="0" err="1">
+                <a:solidFill>
+                  <a:prstClr val="black"/>
+                </a:solidFill>
+                <a:latin typeface="Lucida Console" panose="020B0609040504020204" pitchFamily="49" charset="0"/>
+              </a:rPr>
+              <a:t>nindent</a:t>
+            </a:r>
+            <a:r>
+              <a:rPr lang="en-US" sz="1800" dirty="0">
+                <a:solidFill>
+                  <a:prstClr val="black"/>
+                </a:solidFill>
+                <a:latin typeface="Lucida Console" panose="020B0609040504020204" pitchFamily="49" charset="0"/>
+              </a:rPr>
+              <a:t> 4 }}</a:t>
+            </a:r>
+            <a:endParaRPr lang="en-US" dirty="0"/>
+          </a:p>
+        </p:txBody>
+      </p:sp>
+      <p:sp>
+        <p:nvSpPr>
+          <p:cNvPr id="10" name="TextBox 9">
+            <a:extLst>
+              <a:ext uri="{FF2B5EF4-FFF2-40B4-BE49-F238E27FC236}">
+                <a16:creationId xmlns:a16="http://schemas.microsoft.com/office/drawing/2014/main" id="{4F015C98-AD67-5C63-1579-B40E9A61B21B}"/>
+              </a:ext>
+            </a:extLst>
+          </p:cNvPr>
+          <p:cNvSpPr txBox="1"/>
+          <p:nvPr/>
+        </p:nvSpPr>
+        <p:spPr>
+          <a:xfrm>
+            <a:off x="767299" y="3506278"/>
+            <a:ext cx="3788229" cy="584775"/>
+          </a:xfrm>
+          <a:prstGeom prst="rect">
+            <a:avLst/>
+          </a:prstGeom>
+          <a:noFill/>
+        </p:spPr>
+        <p:txBody>
+          <a:bodyPr wrap="square" rtlCol="0">
+            <a:spAutoFit/>
+          </a:bodyPr>
+          <a:lstStyle/>
+          <a:p>
+            <a:r>
+              <a:rPr lang="en-US" sz="3200" dirty="0"/>
+              <a:t>Template </a:t>
+            </a:r>
+            <a:r>
+              <a:rPr lang="en-US" sz="3200" dirty="0" err="1"/>
+              <a:t>service.yaml</a:t>
+            </a:r>
+            <a:endParaRPr lang="en-US" sz="3200" dirty="0"/>
+          </a:p>
+        </p:txBody>
+      </p:sp>
+      <p:cxnSp>
+        <p:nvCxnSpPr>
+          <p:cNvPr id="12" name="Straight Connector 11">
+            <a:extLst>
+              <a:ext uri="{FF2B5EF4-FFF2-40B4-BE49-F238E27FC236}">
+                <a16:creationId xmlns:a16="http://schemas.microsoft.com/office/drawing/2014/main" id="{DC99F207-CCA6-8718-B10E-E65F6282D2D8}"/>
+              </a:ext>
+            </a:extLst>
+          </p:cNvPr>
+          <p:cNvCxnSpPr>
+            <a:cxnSpLocks/>
+          </p:cNvCxnSpPr>
+          <p:nvPr/>
+        </p:nvCxnSpPr>
+        <p:spPr>
+          <a:xfrm>
+            <a:off x="10156371" y="3506278"/>
+            <a:ext cx="0" cy="6217086"/>
+          </a:xfrm>
+          <a:prstGeom prst="line">
+            <a:avLst/>
+          </a:prstGeom>
+          <a:ln w="57150"/>
+        </p:spPr>
+        <p:style>
+          <a:lnRef idx="1">
+            <a:schemeClr val="dk1"/>
+          </a:lnRef>
+          <a:fillRef idx="0">
+            <a:schemeClr val="dk1"/>
+          </a:fillRef>
+          <a:effectRef idx="0">
+            <a:schemeClr val="dk1"/>
+          </a:effectRef>
+          <a:fontRef idx="minor">
+            <a:schemeClr val="tx1"/>
+          </a:fontRef>
+        </p:style>
+      </p:cxnSp>
+    </p:spTree>
+    <p:extLst>
+      <p:ext uri="{BB962C8B-B14F-4D97-AF65-F5344CB8AC3E}">
+        <p14:creationId xmlns:p14="http://schemas.microsoft.com/office/powerpoint/2010/main" val="2065251266"/>
+      </p:ext>
+    </p:extLst>
+  </p:cSld>
+  <p:clrMapOvr>
+    <a:masterClrMapping/>
+  </p:clrMapOvr>
+</p:sld>
+</file>
+
 <file path=ppt/slides/slide2.xml><?xml version="1.0" encoding="utf-8"?>
 <p:sld xmlns:a="http://schemas.openxmlformats.org/drawingml/2006/main" xmlns:r="http://schemas.openxmlformats.org/officeDocument/2006/relationships" xmlns:p="http://schemas.openxmlformats.org/presentationml/2006/main">
   <p:cSld>
@@ -11370,10 +12740,10 @@
       </p:sp>
       <p:pic>
         <p:nvPicPr>
-          <p:cNvPr id="6" name="Picture 5">
+          <p:cNvPr id="4" name="Picture 3">
             <a:extLst>
               <a:ext uri="{FF2B5EF4-FFF2-40B4-BE49-F238E27FC236}">
-                <a16:creationId xmlns:a16="http://schemas.microsoft.com/office/drawing/2014/main" id="{ED2DB11D-9054-E605-2C8D-FEF7A405E20B}"/>
+                <a16:creationId xmlns:a16="http://schemas.microsoft.com/office/drawing/2014/main" id="{1267227A-1C92-42B6-A9FB-1D50D4AC2422}"/>
               </a:ext>
             </a:extLst>
           </p:cNvPr>
@@ -11396,14 +12766,55 @@
         </p:blipFill>
         <p:spPr>
           <a:xfrm>
-            <a:off x="5287925" y="2361541"/>
-            <a:ext cx="7712149" cy="6779227"/>
+            <a:off x="1917270" y="2417358"/>
+            <a:ext cx="13179829" cy="6139672"/>
           </a:xfrm>
           <a:prstGeom prst="rect">
             <a:avLst/>
           </a:prstGeom>
         </p:spPr>
       </p:pic>
+      <p:sp>
+        <p:nvSpPr>
+          <p:cNvPr id="5" name="TextBox 4">
+            <a:extLst>
+              <a:ext uri="{FF2B5EF4-FFF2-40B4-BE49-F238E27FC236}">
+                <a16:creationId xmlns:a16="http://schemas.microsoft.com/office/drawing/2014/main" id="{7998C962-2F97-D28C-CBAF-2BE4A6353977}"/>
+              </a:ext>
+            </a:extLst>
+          </p:cNvPr>
+          <p:cNvSpPr txBox="1"/>
+          <p:nvPr/>
+        </p:nvSpPr>
+        <p:spPr>
+          <a:xfrm>
+            <a:off x="10654302" y="1111118"/>
+            <a:ext cx="3513762" cy="646331"/>
+          </a:xfrm>
+          <a:prstGeom prst="rect">
+            <a:avLst/>
+          </a:prstGeom>
+          <a:noFill/>
+        </p:spPr>
+        <p:txBody>
+          <a:bodyPr wrap="square" rtlCol="0">
+            <a:spAutoFit/>
+          </a:bodyPr>
+          <a:lstStyle/>
+          <a:p>
+            <a:r>
+              <a:rPr lang="en-US" dirty="0"/>
+              <a:t>WHY do we need this?</a:t>
+            </a:r>
+          </a:p>
+          <a:p>
+            <a:r>
+              <a:rPr lang="en-US" dirty="0"/>
+              <a:t>To ease configuration process.</a:t>
+            </a:r>
+          </a:p>
+        </p:txBody>
+      </p:sp>
     </p:spTree>
     <p:extLst>
       <p:ext uri="{BB962C8B-B14F-4D97-AF65-F5344CB8AC3E}">
@@ -11895,6 +13306,47 @@
           </a:graphicData>
         </a:graphic>
       </p:graphicFrame>
+      <p:sp>
+        <p:nvSpPr>
+          <p:cNvPr id="4" name="TextBox 3">
+            <a:extLst>
+              <a:ext uri="{FF2B5EF4-FFF2-40B4-BE49-F238E27FC236}">
+                <a16:creationId xmlns:a16="http://schemas.microsoft.com/office/drawing/2014/main" id="{47659617-35DF-7336-E2A4-AFBE70A5AAC8}"/>
+              </a:ext>
+            </a:extLst>
+          </p:cNvPr>
+          <p:cNvSpPr txBox="1"/>
+          <p:nvPr/>
+        </p:nvSpPr>
+        <p:spPr>
+          <a:xfrm>
+            <a:off x="10654302" y="1111118"/>
+            <a:ext cx="3513762" cy="923330"/>
+          </a:xfrm>
+          <a:prstGeom prst="rect">
+            <a:avLst/>
+          </a:prstGeom>
+          <a:noFill/>
+        </p:spPr>
+        <p:txBody>
+          <a:bodyPr wrap="square" rtlCol="0">
+            <a:spAutoFit/>
+          </a:bodyPr>
+          <a:lstStyle/>
+          <a:p>
+            <a:r>
+              <a:rPr lang="en-US" dirty="0"/>
+              <a:t>WHY do we need this?</a:t>
+            </a:r>
+          </a:p>
+          <a:p>
+            <a:r>
+              <a:rPr lang="en-US" dirty="0"/>
+              <a:t>To make secret purpose clearer for user.</a:t>
+            </a:r>
+          </a:p>
+        </p:txBody>
+      </p:sp>
     </p:spTree>
     <p:extLst>
       <p:ext uri="{BB962C8B-B14F-4D97-AF65-F5344CB8AC3E}">
@@ -11990,6 +13442,47 @@
           </a:prstGeom>
         </p:spPr>
       </p:pic>
+      <p:sp>
+        <p:nvSpPr>
+          <p:cNvPr id="2" name="TextBox 1">
+            <a:extLst>
+              <a:ext uri="{FF2B5EF4-FFF2-40B4-BE49-F238E27FC236}">
+                <a16:creationId xmlns:a16="http://schemas.microsoft.com/office/drawing/2014/main" id="{001021CE-5077-6899-522B-4940430D1B44}"/>
+              </a:ext>
+            </a:extLst>
+          </p:cNvPr>
+          <p:cNvSpPr txBox="1"/>
+          <p:nvPr/>
+        </p:nvSpPr>
+        <p:spPr>
+          <a:xfrm>
+            <a:off x="10654302" y="1111118"/>
+            <a:ext cx="3513762" cy="646331"/>
+          </a:xfrm>
+          <a:prstGeom prst="rect">
+            <a:avLst/>
+          </a:prstGeom>
+          <a:noFill/>
+        </p:spPr>
+        <p:txBody>
+          <a:bodyPr wrap="square" rtlCol="0">
+            <a:spAutoFit/>
+          </a:bodyPr>
+          <a:lstStyle/>
+          <a:p>
+            <a:r>
+              <a:rPr lang="en-US" dirty="0"/>
+              <a:t>WHY do we need this?</a:t>
+            </a:r>
+          </a:p>
+          <a:p>
+            <a:r>
+              <a:rPr lang="en-US" dirty="0"/>
+              <a:t>To make applications stateful.</a:t>
+            </a:r>
+          </a:p>
+        </p:txBody>
+      </p:sp>
     </p:spTree>
     <p:extLst>
       <p:ext uri="{BB962C8B-B14F-4D97-AF65-F5344CB8AC3E}">
@@ -12085,6 +13578,47 @@
           </a:prstGeom>
         </p:spPr>
       </p:pic>
+      <p:sp>
+        <p:nvSpPr>
+          <p:cNvPr id="2" name="TextBox 1">
+            <a:extLst>
+              <a:ext uri="{FF2B5EF4-FFF2-40B4-BE49-F238E27FC236}">
+                <a16:creationId xmlns:a16="http://schemas.microsoft.com/office/drawing/2014/main" id="{6860C598-69D3-B657-A8BA-8708DB326526}"/>
+              </a:ext>
+            </a:extLst>
+          </p:cNvPr>
+          <p:cNvSpPr txBox="1"/>
+          <p:nvPr/>
+        </p:nvSpPr>
+        <p:spPr>
+          <a:xfrm>
+            <a:off x="10654302" y="1111118"/>
+            <a:ext cx="3513762" cy="923330"/>
+          </a:xfrm>
+          <a:prstGeom prst="rect">
+            <a:avLst/>
+          </a:prstGeom>
+          <a:noFill/>
+        </p:spPr>
+        <p:txBody>
+          <a:bodyPr wrap="square" rtlCol="0">
+            <a:spAutoFit/>
+          </a:bodyPr>
+          <a:lstStyle/>
+          <a:p>
+            <a:r>
+              <a:rPr lang="en-US" dirty="0"/>
+              <a:t>WHY do we need this?</a:t>
+            </a:r>
+          </a:p>
+          <a:p>
+            <a:r>
+              <a:rPr lang="en-US" dirty="0"/>
+              <a:t>To make stateful applications scalable.</a:t>
+            </a:r>
+          </a:p>
+        </p:txBody>
+      </p:sp>
     </p:spTree>
     <p:extLst>
       <p:ext uri="{BB962C8B-B14F-4D97-AF65-F5344CB8AC3E}">
@@ -12604,6 +14138,47 @@
           </a:graphicData>
         </a:graphic>
       </p:graphicFrame>
+      <p:sp>
+        <p:nvSpPr>
+          <p:cNvPr id="2" name="TextBox 1">
+            <a:extLst>
+              <a:ext uri="{FF2B5EF4-FFF2-40B4-BE49-F238E27FC236}">
+                <a16:creationId xmlns:a16="http://schemas.microsoft.com/office/drawing/2014/main" id="{21879C04-9623-0357-C725-0E7CB21D59F9}"/>
+              </a:ext>
+            </a:extLst>
+          </p:cNvPr>
+          <p:cNvSpPr txBox="1"/>
+          <p:nvPr/>
+        </p:nvSpPr>
+        <p:spPr>
+          <a:xfrm>
+            <a:off x="10654302" y="1111118"/>
+            <a:ext cx="3513762" cy="1200329"/>
+          </a:xfrm>
+          <a:prstGeom prst="rect">
+            <a:avLst/>
+          </a:prstGeom>
+          <a:noFill/>
+        </p:spPr>
+        <p:txBody>
+          <a:bodyPr wrap="square" rtlCol="0">
+            <a:spAutoFit/>
+          </a:bodyPr>
+          <a:lstStyle/>
+          <a:p>
+            <a:r>
+              <a:rPr lang="en-US" dirty="0"/>
+              <a:t>WHY do we need this?</a:t>
+            </a:r>
+          </a:p>
+          <a:p>
+            <a:r>
+              <a:rPr lang="en-US" dirty="0"/>
+              <a:t>To use cluster DNS for communication with distributed stateful applications.</a:t>
+            </a:r>
+          </a:p>
+        </p:txBody>
+      </p:sp>
     </p:spTree>
     <p:extLst>
       <p:ext uri="{BB962C8B-B14F-4D97-AF65-F5344CB8AC3E}">
@@ -12663,12 +14238,61 @@
           </a:p>
         </p:txBody>
       </p:sp>
+      <p:sp>
+        <p:nvSpPr>
+          <p:cNvPr id="2" name="TextBox 1">
+            <a:extLst>
+              <a:ext uri="{FF2B5EF4-FFF2-40B4-BE49-F238E27FC236}">
+                <a16:creationId xmlns:a16="http://schemas.microsoft.com/office/drawing/2014/main" id="{D48E8E7C-33E5-6EF2-DEE7-9AAE21D0B055}"/>
+              </a:ext>
+            </a:extLst>
+          </p:cNvPr>
+          <p:cNvSpPr txBox="1"/>
+          <p:nvPr/>
+        </p:nvSpPr>
+        <p:spPr>
+          <a:xfrm>
+            <a:off x="10654302" y="1111118"/>
+            <a:ext cx="3513762" cy="923330"/>
+          </a:xfrm>
+          <a:prstGeom prst="rect">
+            <a:avLst/>
+          </a:prstGeom>
+          <a:noFill/>
+        </p:spPr>
+        <p:txBody>
+          <a:bodyPr wrap="square" rtlCol="0">
+            <a:spAutoFit/>
+          </a:bodyPr>
+          <a:lstStyle/>
+          <a:p>
+            <a:r>
+              <a:rPr lang="en-US" dirty="0"/>
+              <a:t>WHY do we need this?</a:t>
+            </a:r>
+          </a:p>
+          <a:p>
+            <a:r>
+              <a:rPr lang="en-US" dirty="0"/>
+              <a:t>To ease and unify deployment configuration for different </a:t>
+            </a:r>
+            <a:r>
+              <a:rPr lang="en-US" dirty="0" err="1"/>
+              <a:t>envs</a:t>
+            </a:r>
+            <a:r>
+              <a:rPr lang="en-US" dirty="0"/>
+              <a:t>.</a:t>
+            </a:r>
+          </a:p>
+        </p:txBody>
+      </p:sp>
       <p:pic>
         <p:nvPicPr>
-          <p:cNvPr id="4" name="Picture 3">
+          <p:cNvPr id="6" name="Picture 5">
             <a:extLst>
               <a:ext uri="{FF2B5EF4-FFF2-40B4-BE49-F238E27FC236}">
-                <a16:creationId xmlns:a16="http://schemas.microsoft.com/office/drawing/2014/main" id="{E90C2BAA-2F62-5E06-9860-2FE967059951}"/>
+                <a16:creationId xmlns:a16="http://schemas.microsoft.com/office/drawing/2014/main" id="{821B706C-AE0F-CAB2-D693-A4BA49348AA6}"/>
               </a:ext>
             </a:extLst>
           </p:cNvPr>
@@ -12691,8 +14315,8 @@
         </p:blipFill>
         <p:spPr>
           <a:xfrm>
-            <a:off x="3337172" y="2981154"/>
-            <a:ext cx="11613656" cy="4326279"/>
+            <a:off x="2777256" y="4632260"/>
+            <a:ext cx="12733488" cy="4508508"/>
           </a:xfrm>
           <a:prstGeom prst="rect">
             <a:avLst/>
@@ -12703,6 +14327,856 @@
     <p:extLst>
       <p:ext uri="{BB962C8B-B14F-4D97-AF65-F5344CB8AC3E}">
         <p14:creationId xmlns:p14="http://schemas.microsoft.com/office/powerpoint/2010/main" val="701955745"/>
+      </p:ext>
+    </p:extLst>
+  </p:cSld>
+  <p:clrMapOvr>
+    <a:masterClrMapping/>
+  </p:clrMapOvr>
+</p:sld>
+</file>
+
+<file path=ppt/slides/slide8.xml><?xml version="1.0" encoding="utf-8"?>
+<p:sld xmlns:a="http://schemas.openxmlformats.org/drawingml/2006/main" xmlns:r="http://schemas.openxmlformats.org/officeDocument/2006/relationships" xmlns:p="http://schemas.openxmlformats.org/presentationml/2006/main">
+  <p:cSld>
+    <p:spTree>
+      <p:nvGrpSpPr>
+        <p:cNvPr id="1" name=""/>
+        <p:cNvGrpSpPr/>
+        <p:nvPr/>
+      </p:nvGrpSpPr>
+      <p:grpSpPr>
+        <a:xfrm>
+          <a:off x="0" y="0"/>
+          <a:ext cx="0" cy="0"/>
+          <a:chOff x="0" y="0"/>
+          <a:chExt cx="0" cy="0"/>
+        </a:xfrm>
+      </p:grpSpPr>
+      <p:sp>
+        <p:nvSpPr>
+          <p:cNvPr id="3" name="Title 2">
+            <a:extLst>
+              <a:ext uri="{FF2B5EF4-FFF2-40B4-BE49-F238E27FC236}">
+                <a16:creationId xmlns:a16="http://schemas.microsoft.com/office/drawing/2014/main" id="{706501E4-6246-A606-7483-C427CF30CD57}"/>
+              </a:ext>
+            </a:extLst>
+          </p:cNvPr>
+          <p:cNvSpPr>
+            <a:spLocks noGrp="1"/>
+          </p:cNvSpPr>
+          <p:nvPr>
+            <p:ph type="title"/>
+          </p:nvPr>
+        </p:nvSpPr>
+        <p:spPr/>
+        <p:txBody>
+          <a:bodyPr/>
+          <a:lstStyle/>
+          <a:p>
+            <a:r>
+              <a:rPr lang="en-US" dirty="0"/>
+              <a:t>HELM Layout</a:t>
+            </a:r>
+            <a:endParaRPr lang="en-RU" dirty="0"/>
+          </a:p>
+        </p:txBody>
+      </p:sp>
+      <p:pic>
+        <p:nvPicPr>
+          <p:cNvPr id="5" name="Picture 4">
+            <a:extLst>
+              <a:ext uri="{FF2B5EF4-FFF2-40B4-BE49-F238E27FC236}">
+                <a16:creationId xmlns:a16="http://schemas.microsoft.com/office/drawing/2014/main" id="{3BF1CF38-083A-8601-1155-2B816BAB169B}"/>
+              </a:ext>
+            </a:extLst>
+          </p:cNvPr>
+          <p:cNvPicPr>
+            <a:picLocks noChangeAspect="1"/>
+          </p:cNvPicPr>
+          <p:nvPr/>
+        </p:nvPicPr>
+        <p:blipFill>
+          <a:blip r:embed="rId3">
+            <a:extLst>
+              <a:ext uri="{28A0092B-C50C-407E-A947-70E740481C1C}">
+                <a14:useLocalDpi xmlns:a14="http://schemas.microsoft.com/office/drawing/2010/main" val="0"/>
+              </a:ext>
+            </a:extLst>
+          </a:blip>
+          <a:stretch>
+            <a:fillRect/>
+          </a:stretch>
+        </p:blipFill>
+        <p:spPr>
+          <a:xfrm>
+            <a:off x="5014829" y="2961865"/>
+            <a:ext cx="8258342" cy="6178903"/>
+          </a:xfrm>
+          <a:prstGeom prst="rect">
+            <a:avLst/>
+          </a:prstGeom>
+        </p:spPr>
+      </p:pic>
+      <p:sp>
+        <p:nvSpPr>
+          <p:cNvPr id="7" name="TextBox 6">
+            <a:extLst>
+              <a:ext uri="{FF2B5EF4-FFF2-40B4-BE49-F238E27FC236}">
+                <a16:creationId xmlns:a16="http://schemas.microsoft.com/office/drawing/2014/main" id="{DE2CB5C6-88FE-6468-C0F7-1B3E87475C90}"/>
+              </a:ext>
+            </a:extLst>
+          </p:cNvPr>
+          <p:cNvSpPr txBox="1"/>
+          <p:nvPr/>
+        </p:nvSpPr>
+        <p:spPr>
+          <a:xfrm>
+            <a:off x="10654302" y="1111118"/>
+            <a:ext cx="3513762" cy="923330"/>
+          </a:xfrm>
+          <a:prstGeom prst="rect">
+            <a:avLst/>
+          </a:prstGeom>
+          <a:noFill/>
+        </p:spPr>
+        <p:txBody>
+          <a:bodyPr wrap="square" rtlCol="0">
+            <a:spAutoFit/>
+          </a:bodyPr>
+          <a:lstStyle/>
+          <a:p>
+            <a:r>
+              <a:rPr lang="en-US" dirty="0"/>
+              <a:t>WHY do we need this?</a:t>
+            </a:r>
+          </a:p>
+          <a:p>
+            <a:r>
+              <a:rPr lang="en-US" dirty="0"/>
+              <a:t>To ease and unify deployment configuration for different </a:t>
+            </a:r>
+            <a:r>
+              <a:rPr lang="en-US" dirty="0" err="1"/>
+              <a:t>envs</a:t>
+            </a:r>
+            <a:r>
+              <a:rPr lang="en-US" dirty="0"/>
+              <a:t>.</a:t>
+            </a:r>
+          </a:p>
+        </p:txBody>
+      </p:sp>
+    </p:spTree>
+    <p:extLst>
+      <p:ext uri="{BB962C8B-B14F-4D97-AF65-F5344CB8AC3E}">
+        <p14:creationId xmlns:p14="http://schemas.microsoft.com/office/powerpoint/2010/main" val="1350959646"/>
+      </p:ext>
+    </p:extLst>
+  </p:cSld>
+  <p:clrMapOvr>
+    <a:masterClrMapping/>
+  </p:clrMapOvr>
+</p:sld>
+</file>
+
+<file path=ppt/slides/slide9.xml><?xml version="1.0" encoding="utf-8"?>
+<p:sld xmlns:a="http://schemas.openxmlformats.org/drawingml/2006/main" xmlns:r="http://schemas.openxmlformats.org/officeDocument/2006/relationships" xmlns:p="http://schemas.openxmlformats.org/presentationml/2006/main">
+  <p:cSld>
+    <p:spTree>
+      <p:nvGrpSpPr>
+        <p:cNvPr id="1" name=""/>
+        <p:cNvGrpSpPr/>
+        <p:nvPr/>
+      </p:nvGrpSpPr>
+      <p:grpSpPr>
+        <a:xfrm>
+          <a:off x="0" y="0"/>
+          <a:ext cx="0" cy="0"/>
+          <a:chOff x="0" y="0"/>
+          <a:chExt cx="0" cy="0"/>
+        </a:xfrm>
+      </p:grpSpPr>
+      <p:sp>
+        <p:nvSpPr>
+          <p:cNvPr id="3" name="Title 2">
+            <a:extLst>
+              <a:ext uri="{FF2B5EF4-FFF2-40B4-BE49-F238E27FC236}">
+                <a16:creationId xmlns:a16="http://schemas.microsoft.com/office/drawing/2014/main" id="{706501E4-6246-A606-7483-C427CF30CD57}"/>
+              </a:ext>
+            </a:extLst>
+          </p:cNvPr>
+          <p:cNvSpPr>
+            <a:spLocks noGrp="1"/>
+          </p:cNvSpPr>
+          <p:nvPr>
+            <p:ph type="title"/>
+          </p:nvPr>
+        </p:nvSpPr>
+        <p:spPr/>
+        <p:txBody>
+          <a:bodyPr/>
+          <a:lstStyle/>
+          <a:p>
+            <a:r>
+              <a:rPr lang="en-US" dirty="0"/>
+              <a:t>HELM Templating</a:t>
+            </a:r>
+            <a:endParaRPr lang="en-RU" dirty="0"/>
+          </a:p>
+        </p:txBody>
+      </p:sp>
+      <p:sp>
+        <p:nvSpPr>
+          <p:cNvPr id="4" name="TextBox 3">
+            <a:extLst>
+              <a:ext uri="{FF2B5EF4-FFF2-40B4-BE49-F238E27FC236}">
+                <a16:creationId xmlns:a16="http://schemas.microsoft.com/office/drawing/2014/main" id="{D21DE26C-3928-E33E-6CB7-43E196FC5E62}"/>
+              </a:ext>
+            </a:extLst>
+          </p:cNvPr>
+          <p:cNvSpPr txBox="1"/>
+          <p:nvPr/>
+        </p:nvSpPr>
+        <p:spPr>
+          <a:xfrm>
+            <a:off x="10654302" y="1111118"/>
+            <a:ext cx="3513762" cy="923330"/>
+          </a:xfrm>
+          <a:prstGeom prst="rect">
+            <a:avLst/>
+          </a:prstGeom>
+          <a:noFill/>
+        </p:spPr>
+        <p:txBody>
+          <a:bodyPr wrap="square" rtlCol="0">
+            <a:spAutoFit/>
+          </a:bodyPr>
+          <a:lstStyle/>
+          <a:p>
+            <a:r>
+              <a:rPr lang="en-US" dirty="0"/>
+              <a:t>WHY do we need this?</a:t>
+            </a:r>
+          </a:p>
+          <a:p>
+            <a:r>
+              <a:rPr lang="en-US" dirty="0"/>
+              <a:t>To ease and unify deployment configuration for different </a:t>
+            </a:r>
+            <a:r>
+              <a:rPr lang="en-US" dirty="0" err="1"/>
+              <a:t>envs</a:t>
+            </a:r>
+            <a:r>
+              <a:rPr lang="en-US" dirty="0"/>
+              <a:t>.</a:t>
+            </a:r>
+          </a:p>
+        </p:txBody>
+      </p:sp>
+      <p:sp>
+        <p:nvSpPr>
+          <p:cNvPr id="13" name="TextBox 12">
+            <a:extLst>
+              <a:ext uri="{FF2B5EF4-FFF2-40B4-BE49-F238E27FC236}">
+                <a16:creationId xmlns:a16="http://schemas.microsoft.com/office/drawing/2014/main" id="{423BA456-282E-59B7-7DE0-63FF29F4AB70}"/>
+              </a:ext>
+            </a:extLst>
+          </p:cNvPr>
+          <p:cNvSpPr txBox="1"/>
+          <p:nvPr/>
+        </p:nvSpPr>
+        <p:spPr>
+          <a:xfrm>
+            <a:off x="11250386" y="4236814"/>
+            <a:ext cx="3381637" cy="2308324"/>
+          </a:xfrm>
+          <a:prstGeom prst="rect">
+            <a:avLst/>
+          </a:prstGeom>
+          <a:noFill/>
+        </p:spPr>
+        <p:txBody>
+          <a:bodyPr wrap="square">
+            <a:spAutoFit/>
+          </a:bodyPr>
+          <a:lstStyle/>
+          <a:p>
+            <a:r>
+              <a:rPr lang="en-US" sz="1800" dirty="0" err="1">
+                <a:solidFill>
+                  <a:prstClr val="black"/>
+                </a:solidFill>
+                <a:latin typeface="Lucida Console" panose="020B0609040504020204" pitchFamily="49" charset="0"/>
+              </a:rPr>
+              <a:t>replicaCount</a:t>
+            </a:r>
+            <a:r>
+              <a:rPr lang="en-US" sz="1800" dirty="0">
+                <a:solidFill>
+                  <a:prstClr val="black"/>
+                </a:solidFill>
+                <a:latin typeface="Lucida Console" panose="020B0609040504020204" pitchFamily="49" charset="0"/>
+              </a:rPr>
+              <a:t>: 1</a:t>
+            </a:r>
+          </a:p>
+          <a:p>
+            <a:endParaRPr lang="en-US" sz="1800" dirty="0">
+              <a:solidFill>
+                <a:prstClr val="black"/>
+              </a:solidFill>
+              <a:latin typeface="Lucida Console" panose="020B0609040504020204" pitchFamily="49" charset="0"/>
+            </a:endParaRPr>
+          </a:p>
+          <a:p>
+            <a:r>
+              <a:rPr lang="en-US" sz="1800" dirty="0">
+                <a:solidFill>
+                  <a:prstClr val="black"/>
+                </a:solidFill>
+                <a:latin typeface="Lucida Console" panose="020B0609040504020204" pitchFamily="49" charset="0"/>
+              </a:rPr>
+              <a:t>image:</a:t>
+            </a:r>
+          </a:p>
+          <a:p>
+            <a:r>
+              <a:rPr lang="en-US" sz="1800" dirty="0">
+                <a:solidFill>
+                  <a:prstClr val="black"/>
+                </a:solidFill>
+                <a:latin typeface="Lucida Console" panose="020B0609040504020204" pitchFamily="49" charset="0"/>
+              </a:rPr>
+              <a:t>  repository: nginx</a:t>
+            </a:r>
+          </a:p>
+          <a:p>
+            <a:endParaRPr lang="en-US" sz="1800" dirty="0">
+              <a:solidFill>
+                <a:prstClr val="black"/>
+              </a:solidFill>
+              <a:latin typeface="Lucida Console" panose="020B0609040504020204" pitchFamily="49" charset="0"/>
+            </a:endParaRPr>
+          </a:p>
+          <a:p>
+            <a:r>
+              <a:rPr lang="en-US" sz="1800" dirty="0">
+                <a:solidFill>
+                  <a:prstClr val="black"/>
+                </a:solidFill>
+                <a:latin typeface="Lucida Console" panose="020B0609040504020204" pitchFamily="49" charset="0"/>
+              </a:rPr>
+              <a:t>service:</a:t>
+            </a:r>
+          </a:p>
+          <a:p>
+            <a:r>
+              <a:rPr lang="en-US" sz="1800" dirty="0">
+                <a:solidFill>
+                  <a:prstClr val="black"/>
+                </a:solidFill>
+                <a:latin typeface="Lucida Console" panose="020B0609040504020204" pitchFamily="49" charset="0"/>
+              </a:rPr>
+              <a:t>  type: </a:t>
+            </a:r>
+            <a:r>
+              <a:rPr lang="en-US" sz="1800" dirty="0" err="1">
+                <a:solidFill>
+                  <a:prstClr val="black"/>
+                </a:solidFill>
+                <a:latin typeface="Lucida Console" panose="020B0609040504020204" pitchFamily="49" charset="0"/>
+              </a:rPr>
+              <a:t>ClusterIP</a:t>
+            </a:r>
+            <a:endParaRPr lang="en-US" sz="1800" dirty="0">
+              <a:solidFill>
+                <a:prstClr val="black"/>
+              </a:solidFill>
+              <a:latin typeface="Lucida Console" panose="020B0609040504020204" pitchFamily="49" charset="0"/>
+            </a:endParaRPr>
+          </a:p>
+          <a:p>
+            <a:r>
+              <a:rPr lang="en-US" sz="1800" dirty="0">
+                <a:solidFill>
+                  <a:prstClr val="black"/>
+                </a:solidFill>
+                <a:latin typeface="Lucida Console" panose="020B0609040504020204" pitchFamily="49" charset="0"/>
+              </a:rPr>
+              <a:t>  port: 80</a:t>
+            </a:r>
+          </a:p>
+        </p:txBody>
+      </p:sp>
+      <p:sp>
+        <p:nvSpPr>
+          <p:cNvPr id="14" name="TextBox 13">
+            <a:extLst>
+              <a:ext uri="{FF2B5EF4-FFF2-40B4-BE49-F238E27FC236}">
+                <a16:creationId xmlns:a16="http://schemas.microsoft.com/office/drawing/2014/main" id="{7C9F6BE5-48D4-76F4-C108-C8EC16EDDDFF}"/>
+              </a:ext>
+            </a:extLst>
+          </p:cNvPr>
+          <p:cNvSpPr txBox="1"/>
+          <p:nvPr/>
+        </p:nvSpPr>
+        <p:spPr>
+          <a:xfrm>
+            <a:off x="11250386" y="3414601"/>
+            <a:ext cx="3788229" cy="584775"/>
+          </a:xfrm>
+          <a:prstGeom prst="rect">
+            <a:avLst/>
+          </a:prstGeom>
+          <a:noFill/>
+        </p:spPr>
+        <p:txBody>
+          <a:bodyPr wrap="square" rtlCol="0">
+            <a:spAutoFit/>
+          </a:bodyPr>
+          <a:lstStyle/>
+          <a:p>
+            <a:r>
+              <a:rPr lang="en-US" sz="3200" dirty="0" err="1"/>
+              <a:t>values.yaml</a:t>
+            </a:r>
+            <a:endParaRPr lang="en-US" sz="3200" dirty="0"/>
+          </a:p>
+        </p:txBody>
+      </p:sp>
+      <p:sp>
+        <p:nvSpPr>
+          <p:cNvPr id="15" name="TextBox 14">
+            <a:extLst>
+              <a:ext uri="{FF2B5EF4-FFF2-40B4-BE49-F238E27FC236}">
+                <a16:creationId xmlns:a16="http://schemas.microsoft.com/office/drawing/2014/main" id="{5D60F06A-24CB-47D7-7740-E04741CE58F0}"/>
+              </a:ext>
+            </a:extLst>
+          </p:cNvPr>
+          <p:cNvSpPr txBox="1"/>
+          <p:nvPr/>
+        </p:nvSpPr>
+        <p:spPr>
+          <a:xfrm>
+            <a:off x="767299" y="4328492"/>
+            <a:ext cx="8376701" cy="4247317"/>
+          </a:xfrm>
+          <a:prstGeom prst="rect">
+            <a:avLst/>
+          </a:prstGeom>
+          <a:noFill/>
+        </p:spPr>
+        <p:txBody>
+          <a:bodyPr wrap="square">
+            <a:spAutoFit/>
+          </a:bodyPr>
+          <a:lstStyle/>
+          <a:p>
+            <a:r>
+              <a:rPr lang="en-US" sz="1800" dirty="0" err="1">
+                <a:solidFill>
+                  <a:prstClr val="black"/>
+                </a:solidFill>
+                <a:latin typeface="Lucida Console" panose="020B0609040504020204" pitchFamily="49" charset="0"/>
+              </a:rPr>
+              <a:t>apiVersion</a:t>
+            </a:r>
+            <a:r>
+              <a:rPr lang="en-US" sz="1800" dirty="0">
+                <a:solidFill>
+                  <a:prstClr val="black"/>
+                </a:solidFill>
+                <a:latin typeface="Lucida Console" panose="020B0609040504020204" pitchFamily="49" charset="0"/>
+              </a:rPr>
+              <a:t>: v1</a:t>
+            </a:r>
+          </a:p>
+          <a:p>
+            <a:r>
+              <a:rPr lang="en-US" sz="1800" dirty="0">
+                <a:solidFill>
+                  <a:prstClr val="black"/>
+                </a:solidFill>
+                <a:latin typeface="Lucida Console" panose="020B0609040504020204" pitchFamily="49" charset="0"/>
+              </a:rPr>
+              <a:t>kind: Service</a:t>
+            </a:r>
+          </a:p>
+          <a:p>
+            <a:r>
+              <a:rPr lang="en-US" sz="1800" dirty="0">
+                <a:solidFill>
+                  <a:prstClr val="black"/>
+                </a:solidFill>
+                <a:latin typeface="Lucida Console" panose="020B0609040504020204" pitchFamily="49" charset="0"/>
+              </a:rPr>
+              <a:t>metadata:</a:t>
+            </a:r>
+          </a:p>
+          <a:p>
+            <a:r>
+              <a:rPr lang="en-US" sz="1800" dirty="0">
+                <a:solidFill>
+                  <a:prstClr val="black"/>
+                </a:solidFill>
+                <a:latin typeface="Lucida Console" panose="020B0609040504020204" pitchFamily="49" charset="0"/>
+              </a:rPr>
+              <a:t>  name: {{ include "my-</a:t>
+            </a:r>
+            <a:r>
+              <a:rPr lang="en-US" sz="1800" dirty="0" err="1">
+                <a:solidFill>
+                  <a:prstClr val="black"/>
+                </a:solidFill>
+                <a:latin typeface="Lucida Console" panose="020B0609040504020204" pitchFamily="49" charset="0"/>
+              </a:rPr>
+              <a:t>chart.fullname</a:t>
+            </a:r>
+            <a:r>
+              <a:rPr lang="en-US" sz="1800" dirty="0">
+                <a:solidFill>
+                  <a:prstClr val="black"/>
+                </a:solidFill>
+                <a:latin typeface="Lucida Console" panose="020B0609040504020204" pitchFamily="49" charset="0"/>
+              </a:rPr>
+              <a:t>" . }}</a:t>
+            </a:r>
+          </a:p>
+          <a:p>
+            <a:r>
+              <a:rPr lang="en-US" sz="1800" dirty="0">
+                <a:solidFill>
+                  <a:prstClr val="black"/>
+                </a:solidFill>
+                <a:latin typeface="Lucida Console" panose="020B0609040504020204" pitchFamily="49" charset="0"/>
+              </a:rPr>
+              <a:t>  labels:</a:t>
+            </a:r>
+          </a:p>
+          <a:p>
+            <a:r>
+              <a:rPr lang="en-US" sz="1800" dirty="0">
+                <a:solidFill>
+                  <a:prstClr val="black"/>
+                </a:solidFill>
+                <a:latin typeface="Lucida Console" panose="020B0609040504020204" pitchFamily="49" charset="0"/>
+              </a:rPr>
+              <a:t>    {{- include "my-</a:t>
+            </a:r>
+            <a:r>
+              <a:rPr lang="en-US" sz="1800" dirty="0" err="1">
+                <a:solidFill>
+                  <a:prstClr val="black"/>
+                </a:solidFill>
+                <a:latin typeface="Lucida Console" panose="020B0609040504020204" pitchFamily="49" charset="0"/>
+              </a:rPr>
+              <a:t>chart.labels</a:t>
+            </a:r>
+            <a:r>
+              <a:rPr lang="en-US" sz="1800" dirty="0">
+                <a:solidFill>
+                  <a:prstClr val="black"/>
+                </a:solidFill>
+                <a:latin typeface="Lucida Console" panose="020B0609040504020204" pitchFamily="49" charset="0"/>
+              </a:rPr>
+              <a:t>" . | </a:t>
+            </a:r>
+            <a:r>
+              <a:rPr lang="en-US" sz="1800" dirty="0" err="1">
+                <a:solidFill>
+                  <a:prstClr val="black"/>
+                </a:solidFill>
+                <a:latin typeface="Lucida Console" panose="020B0609040504020204" pitchFamily="49" charset="0"/>
+              </a:rPr>
+              <a:t>nindent</a:t>
+            </a:r>
+            <a:r>
+              <a:rPr lang="en-US" sz="1800" dirty="0">
+                <a:solidFill>
+                  <a:prstClr val="black"/>
+                </a:solidFill>
+                <a:latin typeface="Lucida Console" panose="020B0609040504020204" pitchFamily="49" charset="0"/>
+              </a:rPr>
+              <a:t> 4 }}</a:t>
+            </a:r>
+          </a:p>
+          <a:p>
+            <a:r>
+              <a:rPr lang="en-US" sz="1800" dirty="0">
+                <a:solidFill>
+                  <a:prstClr val="black"/>
+                </a:solidFill>
+                <a:latin typeface="Lucida Console" panose="020B0609040504020204" pitchFamily="49" charset="0"/>
+              </a:rPr>
+              <a:t>spec:</a:t>
+            </a:r>
+          </a:p>
+          <a:p>
+            <a:r>
+              <a:rPr lang="en-US" sz="1800" dirty="0">
+                <a:solidFill>
+                  <a:prstClr val="black"/>
+                </a:solidFill>
+                <a:latin typeface="Lucida Console" panose="020B0609040504020204" pitchFamily="49" charset="0"/>
+              </a:rPr>
+              <a:t>  type: {{ .</a:t>
+            </a:r>
+            <a:r>
+              <a:rPr lang="en-US" sz="1800" dirty="0" err="1">
+                <a:solidFill>
+                  <a:prstClr val="black"/>
+                </a:solidFill>
+                <a:latin typeface="Lucida Console" panose="020B0609040504020204" pitchFamily="49" charset="0"/>
+              </a:rPr>
+              <a:t>Values.service.type</a:t>
+            </a:r>
+            <a:r>
+              <a:rPr lang="en-US" sz="1800" dirty="0">
+                <a:solidFill>
+                  <a:prstClr val="black"/>
+                </a:solidFill>
+                <a:latin typeface="Lucida Console" panose="020B0609040504020204" pitchFamily="49" charset="0"/>
+              </a:rPr>
+              <a:t> }}</a:t>
+            </a:r>
+          </a:p>
+          <a:p>
+            <a:r>
+              <a:rPr lang="en-US" sz="1800" dirty="0">
+                <a:solidFill>
+                  <a:prstClr val="black"/>
+                </a:solidFill>
+                <a:latin typeface="Lucida Console" panose="020B0609040504020204" pitchFamily="49" charset="0"/>
+              </a:rPr>
+              <a:t>  ports:</a:t>
+            </a:r>
+          </a:p>
+          <a:p>
+            <a:r>
+              <a:rPr lang="en-US" sz="1800" dirty="0">
+                <a:solidFill>
+                  <a:prstClr val="black"/>
+                </a:solidFill>
+                <a:latin typeface="Lucida Console" panose="020B0609040504020204" pitchFamily="49" charset="0"/>
+              </a:rPr>
+              <a:t>    - port: {{ .</a:t>
+            </a:r>
+            <a:r>
+              <a:rPr lang="en-US" sz="1800" dirty="0" err="1">
+                <a:solidFill>
+                  <a:prstClr val="black"/>
+                </a:solidFill>
+                <a:latin typeface="Lucida Console" panose="020B0609040504020204" pitchFamily="49" charset="0"/>
+              </a:rPr>
+              <a:t>Values.service.port</a:t>
+            </a:r>
+            <a:r>
+              <a:rPr lang="en-US" sz="1800" dirty="0">
+                <a:solidFill>
+                  <a:prstClr val="black"/>
+                </a:solidFill>
+                <a:latin typeface="Lucida Console" panose="020B0609040504020204" pitchFamily="49" charset="0"/>
+              </a:rPr>
+              <a:t> }}</a:t>
+            </a:r>
+          </a:p>
+          <a:p>
+            <a:r>
+              <a:rPr lang="en-US" sz="1800" dirty="0">
+                <a:solidFill>
+                  <a:prstClr val="black"/>
+                </a:solidFill>
+                <a:latin typeface="Lucida Console" panose="020B0609040504020204" pitchFamily="49" charset="0"/>
+              </a:rPr>
+              <a:t>      </a:t>
+            </a:r>
+            <a:r>
+              <a:rPr lang="en-US" sz="1800" dirty="0" err="1">
+                <a:solidFill>
+                  <a:prstClr val="black"/>
+                </a:solidFill>
+                <a:latin typeface="Lucida Console" panose="020B0609040504020204" pitchFamily="49" charset="0"/>
+              </a:rPr>
+              <a:t>targetPort</a:t>
+            </a:r>
+            <a:r>
+              <a:rPr lang="en-US" sz="1800" dirty="0">
+                <a:solidFill>
+                  <a:prstClr val="black"/>
+                </a:solidFill>
+                <a:latin typeface="Lucida Console" panose="020B0609040504020204" pitchFamily="49" charset="0"/>
+              </a:rPr>
+              <a:t>: http</a:t>
+            </a:r>
+          </a:p>
+          <a:p>
+            <a:r>
+              <a:rPr lang="en-US" sz="1800" dirty="0">
+                <a:solidFill>
+                  <a:prstClr val="black"/>
+                </a:solidFill>
+                <a:latin typeface="Lucida Console" panose="020B0609040504020204" pitchFamily="49" charset="0"/>
+              </a:rPr>
+              <a:t>      protocol: TCP</a:t>
+            </a:r>
+          </a:p>
+          <a:p>
+            <a:r>
+              <a:rPr lang="en-US" sz="1800" dirty="0">
+                <a:solidFill>
+                  <a:prstClr val="black"/>
+                </a:solidFill>
+                <a:latin typeface="Lucida Console" panose="020B0609040504020204" pitchFamily="49" charset="0"/>
+              </a:rPr>
+              <a:t>      name: http</a:t>
+            </a:r>
+          </a:p>
+          <a:p>
+            <a:r>
+              <a:rPr lang="en-US" sz="1800" dirty="0">
+                <a:solidFill>
+                  <a:prstClr val="black"/>
+                </a:solidFill>
+                <a:latin typeface="Lucida Console" panose="020B0609040504020204" pitchFamily="49" charset="0"/>
+              </a:rPr>
+              <a:t>  selector:</a:t>
+            </a:r>
+          </a:p>
+          <a:p>
+            <a:r>
+              <a:rPr lang="en-US" sz="1800" dirty="0">
+                <a:solidFill>
+                  <a:prstClr val="black"/>
+                </a:solidFill>
+                <a:latin typeface="Lucida Console" panose="020B0609040504020204" pitchFamily="49" charset="0"/>
+              </a:rPr>
+              <a:t>    {{- include "my-</a:t>
+            </a:r>
+            <a:r>
+              <a:rPr lang="en-US" sz="1800" dirty="0" err="1">
+                <a:solidFill>
+                  <a:prstClr val="black"/>
+                </a:solidFill>
+                <a:latin typeface="Lucida Console" panose="020B0609040504020204" pitchFamily="49" charset="0"/>
+              </a:rPr>
+              <a:t>chart.selectorLabels</a:t>
+            </a:r>
+            <a:r>
+              <a:rPr lang="en-US" sz="1800" dirty="0">
+                <a:solidFill>
+                  <a:prstClr val="black"/>
+                </a:solidFill>
+                <a:latin typeface="Lucida Console" panose="020B0609040504020204" pitchFamily="49" charset="0"/>
+              </a:rPr>
+              <a:t>" . | </a:t>
+            </a:r>
+            <a:r>
+              <a:rPr lang="en-US" sz="1800" dirty="0" err="1">
+                <a:solidFill>
+                  <a:prstClr val="black"/>
+                </a:solidFill>
+                <a:latin typeface="Lucida Console" panose="020B0609040504020204" pitchFamily="49" charset="0"/>
+              </a:rPr>
+              <a:t>nindent</a:t>
+            </a:r>
+            <a:r>
+              <a:rPr lang="en-US" sz="1800" dirty="0">
+                <a:solidFill>
+                  <a:prstClr val="black"/>
+                </a:solidFill>
+                <a:latin typeface="Lucida Console" panose="020B0609040504020204" pitchFamily="49" charset="0"/>
+              </a:rPr>
+              <a:t> 4 }}</a:t>
+            </a:r>
+            <a:endParaRPr lang="en-US" dirty="0"/>
+          </a:p>
+        </p:txBody>
+      </p:sp>
+      <p:sp>
+        <p:nvSpPr>
+          <p:cNvPr id="16" name="TextBox 15">
+            <a:extLst>
+              <a:ext uri="{FF2B5EF4-FFF2-40B4-BE49-F238E27FC236}">
+                <a16:creationId xmlns:a16="http://schemas.microsoft.com/office/drawing/2014/main" id="{52CACA74-E7BD-FD5A-7414-81381EBCD4FA}"/>
+              </a:ext>
+            </a:extLst>
+          </p:cNvPr>
+          <p:cNvSpPr txBox="1"/>
+          <p:nvPr/>
+        </p:nvSpPr>
+        <p:spPr>
+          <a:xfrm>
+            <a:off x="767299" y="3506278"/>
+            <a:ext cx="3788229" cy="584775"/>
+          </a:xfrm>
+          <a:prstGeom prst="rect">
+            <a:avLst/>
+          </a:prstGeom>
+          <a:noFill/>
+        </p:spPr>
+        <p:txBody>
+          <a:bodyPr wrap="square" rtlCol="0">
+            <a:spAutoFit/>
+          </a:bodyPr>
+          <a:lstStyle/>
+          <a:p>
+            <a:r>
+              <a:rPr lang="en-US" sz="3200" dirty="0"/>
+              <a:t>Template </a:t>
+            </a:r>
+            <a:r>
+              <a:rPr lang="en-US" sz="3200" dirty="0" err="1"/>
+              <a:t>service.yaml</a:t>
+            </a:r>
+            <a:endParaRPr lang="en-US" sz="3200" dirty="0"/>
+          </a:p>
+        </p:txBody>
+      </p:sp>
+      <p:cxnSp>
+        <p:nvCxnSpPr>
+          <p:cNvPr id="24" name="Straight Connector 23">
+            <a:extLst>
+              <a:ext uri="{FF2B5EF4-FFF2-40B4-BE49-F238E27FC236}">
+                <a16:creationId xmlns:a16="http://schemas.microsoft.com/office/drawing/2014/main" id="{2E29DF9C-E127-95CE-DE8E-922446BFF21D}"/>
+              </a:ext>
+            </a:extLst>
+          </p:cNvPr>
+          <p:cNvCxnSpPr>
+            <a:cxnSpLocks/>
+          </p:cNvCxnSpPr>
+          <p:nvPr/>
+        </p:nvCxnSpPr>
+        <p:spPr>
+          <a:xfrm>
+            <a:off x="10156371" y="3506278"/>
+            <a:ext cx="0" cy="6217086"/>
+          </a:xfrm>
+          <a:prstGeom prst="line">
+            <a:avLst/>
+          </a:prstGeom>
+          <a:ln w="57150"/>
+        </p:spPr>
+        <p:style>
+          <a:lnRef idx="1">
+            <a:schemeClr val="dk1"/>
+          </a:lnRef>
+          <a:fillRef idx="0">
+            <a:schemeClr val="dk1"/>
+          </a:fillRef>
+          <a:effectRef idx="0">
+            <a:schemeClr val="dk1"/>
+          </a:effectRef>
+          <a:fontRef idx="minor">
+            <a:schemeClr val="tx1"/>
+          </a:fontRef>
+        </p:style>
+      </p:cxnSp>
+    </p:spTree>
+    <p:extLst>
+      <p:ext uri="{BB962C8B-B14F-4D97-AF65-F5344CB8AC3E}">
+        <p14:creationId xmlns:p14="http://schemas.microsoft.com/office/powerpoint/2010/main" val="1685343756"/>
       </p:ext>
     </p:extLst>
   </p:cSld>
@@ -13209,26 +15683,6 @@
 </file>
 
 <file path=customXml/item1.xml><?xml version="1.0" encoding="utf-8"?>
-<p:properties xmlns:p="http://schemas.microsoft.com/office/2006/metadata/properties" xmlns:xsi="http://www.w3.org/2001/XMLSchema-instance" xmlns:pc="http://schemas.microsoft.com/office/infopath/2007/PartnerControls">
-  <documentManagement>
-    <lcf76f155ced4ddcb4097134ff3c332f xmlns="87e595e6-2bfb-444b-8c2a-22d7ac5c8c1c">
-      <Terms xmlns="http://schemas.microsoft.com/office/infopath/2007/PartnerControls"/>
-    </lcf76f155ced4ddcb4097134ff3c332f>
-    <TaxCatchAll xmlns="d31a9763-ad48-4d75-b4cc-dbd081bef165" xsi:nil="true"/>
-  </documentManagement>
-</p:properties>
-</file>
-
-<file path=customXml/item2.xml><?xml version="1.0" encoding="utf-8"?>
-<?mso-contentType ?>
-<FormTemplates xmlns="http://schemas.microsoft.com/sharepoint/v3/contenttype/forms">
-  <Display>DocumentLibraryForm</Display>
-  <Edit>DocumentLibraryForm</Edit>
-  <New>DocumentLibraryForm</New>
-</FormTemplates>
-</file>
-
-<file path=customXml/item3.xml><?xml version="1.0" encoding="utf-8"?>
 <ct:contentTypeSchema xmlns:ct="http://schemas.microsoft.com/office/2006/metadata/contentType" xmlns:ma="http://schemas.microsoft.com/office/2006/metadata/properties/metaAttributes" ct:_="" ma:_="" ma:contentTypeName="Document" ma:contentTypeID="0x010100454DC51C4310A147BD2D10A84BE7DF5B" ma:contentTypeVersion="14" ma:contentTypeDescription="Create a new document." ma:contentTypeScope="" ma:versionID="58153d9a8ca4cd003aa5c61a075b6dbf">
   <xsd:schema xmlns:xsd="http://www.w3.org/2001/XMLSchema" xmlns:xs="http://www.w3.org/2001/XMLSchema" xmlns:p="http://schemas.microsoft.com/office/2006/metadata/properties" xmlns:ns2="87e595e6-2bfb-444b-8c2a-22d7ac5c8c1c" xmlns:ns3="d31a9763-ad48-4d75-b4cc-dbd081bef165" targetNamespace="http://schemas.microsoft.com/office/2006/metadata/properties" ma:root="true" ma:fieldsID="ca74c81c5f13de2ce0dc44d80fd826d0" ns2:_="" ns3:_="">
     <xsd:import namespace="87e595e6-2bfb-444b-8c2a-22d7ac5c8c1c"/>
@@ -13459,32 +15913,27 @@
 </ct:contentTypeSchema>
 </file>
 
-<file path=customXml/itemProps1.xml><?xml version="1.0" encoding="utf-8"?>
-<ds:datastoreItem xmlns:ds="http://schemas.openxmlformats.org/officeDocument/2006/customXml" ds:itemID="{402D52D5-8A09-4C80-995A-0B98512BFFC1}">
-  <ds:schemaRefs>
-    <ds:schemaRef ds:uri="http://purl.org/dc/elements/1.1/"/>
-    <ds:schemaRef ds:uri="87e595e6-2bfb-444b-8c2a-22d7ac5c8c1c"/>
-    <ds:schemaRef ds:uri="http://purl.org/dc/dcmitype/"/>
-    <ds:schemaRef ds:uri="http://schemas.microsoft.com/office/2006/documentManagement/types"/>
-    <ds:schemaRef ds:uri="http://schemas.openxmlformats.org/package/2006/metadata/core-properties"/>
-    <ds:schemaRef ds:uri="http://schemas.microsoft.com/office/infopath/2007/PartnerControls"/>
-    <ds:schemaRef ds:uri="d31a9763-ad48-4d75-b4cc-dbd081bef165"/>
-    <ds:schemaRef ds:uri="http://schemas.microsoft.com/office/2006/metadata/properties"/>
-    <ds:schemaRef ds:uri="http://www.w3.org/XML/1998/namespace"/>
-    <ds:schemaRef ds:uri="http://purl.org/dc/terms/"/>
-  </ds:schemaRefs>
-</ds:datastoreItem>
+<file path=customXml/item2.xml><?xml version="1.0" encoding="utf-8"?>
+<?mso-contentType ?>
+<FormTemplates xmlns="http://schemas.microsoft.com/sharepoint/v3/contenttype/forms">
+  <Display>DocumentLibraryForm</Display>
+  <Edit>DocumentLibraryForm</Edit>
+  <New>DocumentLibraryForm</New>
+</FormTemplates>
 </file>
 
-<file path=customXml/itemProps2.xml><?xml version="1.0" encoding="utf-8"?>
-<ds:datastoreItem xmlns:ds="http://schemas.openxmlformats.org/officeDocument/2006/customXml" ds:itemID="{C174268B-32CC-45F6-B320-01F53DDAC9E9}">
-  <ds:schemaRefs>
-    <ds:schemaRef ds:uri="http://schemas.microsoft.com/sharepoint/v3/contenttype/forms"/>
-  </ds:schemaRefs>
-</ds:datastoreItem>
+<file path=customXml/item3.xml><?xml version="1.0" encoding="utf-8"?>
+<p:properties xmlns:p="http://schemas.microsoft.com/office/2006/metadata/properties" xmlns:xsi="http://www.w3.org/2001/XMLSchema-instance" xmlns:pc="http://schemas.microsoft.com/office/infopath/2007/PartnerControls">
+  <documentManagement>
+    <lcf76f155ced4ddcb4097134ff3c332f xmlns="87e595e6-2bfb-444b-8c2a-22d7ac5c8c1c">
+      <Terms xmlns="http://schemas.microsoft.com/office/infopath/2007/PartnerControls"/>
+    </lcf76f155ced4ddcb4097134ff3c332f>
+    <TaxCatchAll xmlns="d31a9763-ad48-4d75-b4cc-dbd081bef165" xsi:nil="true"/>
+  </documentManagement>
+</p:properties>
 </file>
 
-<file path=customXml/itemProps3.xml><?xml version="1.0" encoding="utf-8"?>
+<file path=customXml/itemProps1.xml><?xml version="1.0" encoding="utf-8"?>
 <ds:datastoreItem xmlns:ds="http://schemas.openxmlformats.org/officeDocument/2006/customXml" ds:itemID="{F0BD7E9F-81C8-43A4-A403-00941A4FA9DA}">
   <ds:schemaRefs>
     <ds:schemaRef ds:uri="87e595e6-2bfb-444b-8c2a-22d7ac5c8c1c"/>
@@ -13501,4 +15950,29 @@
     <ds:schemaRef ds:uri="http://www.w3.org/2001/XMLSchema"/>
   </ds:schemaRefs>
 </ds:datastoreItem>
+</file>
+
+<file path=customXml/itemProps2.xml><?xml version="1.0" encoding="utf-8"?>
+<ds:datastoreItem xmlns:ds="http://schemas.openxmlformats.org/officeDocument/2006/customXml" ds:itemID="{C174268B-32CC-45F6-B320-01F53DDAC9E9}">
+  <ds:schemaRefs>
+    <ds:schemaRef ds:uri="http://schemas.microsoft.com/sharepoint/v3/contenttype/forms"/>
+  </ds:schemaRefs>
+</ds:datastoreItem>
+</file>
+
+<file path=customXml/itemProps3.xml><?xml version="1.0" encoding="utf-8"?>
+<ds:datastoreItem xmlns:ds="http://schemas.openxmlformats.org/officeDocument/2006/customXml" ds:itemID="{402D52D5-8A09-4C80-995A-0B98512BFFC1}">
+  <ds:schemaRefs>
+    <ds:schemaRef ds:uri="http://purl.org/dc/elements/1.1/"/>
+    <ds:schemaRef ds:uri="87e595e6-2bfb-444b-8c2a-22d7ac5c8c1c"/>
+    <ds:schemaRef ds:uri="http://purl.org/dc/dcmitype/"/>
+    <ds:schemaRef ds:uri="http://schemas.microsoft.com/office/2006/documentManagement/types"/>
+    <ds:schemaRef ds:uri="http://schemas.openxmlformats.org/package/2006/metadata/core-properties"/>
+    <ds:schemaRef ds:uri="http://schemas.microsoft.com/office/infopath/2007/PartnerControls"/>
+    <ds:schemaRef ds:uri="d31a9763-ad48-4d75-b4cc-dbd081bef165"/>
+    <ds:schemaRef ds:uri="http://schemas.microsoft.com/office/2006/metadata/properties"/>
+    <ds:schemaRef ds:uri="http://www.w3.org/XML/1998/namespace"/>
+    <ds:schemaRef ds:uri="http://purl.org/dc/terms/"/>
+  </ds:schemaRefs>
+</ds:datastoreItem>
 </file>